--- a/Primera Entrega/Presentación.pptx
+++ b/Primera Entrega/Presentación.pptx
@@ -8,11 +8,14 @@
     <p:sldId id="256" r:id="rId2"/>
     <p:sldId id="258" r:id="rId3"/>
     <p:sldId id="257" r:id="rId4"/>
-    <p:sldId id="261" r:id="rId5"/>
-    <p:sldId id="259" r:id="rId6"/>
-    <p:sldId id="260" r:id="rId7"/>
-    <p:sldId id="264" r:id="rId8"/>
-    <p:sldId id="262" r:id="rId9"/>
+    <p:sldId id="265" r:id="rId5"/>
+    <p:sldId id="266" r:id="rId6"/>
+    <p:sldId id="267" r:id="rId7"/>
+    <p:sldId id="268" r:id="rId8"/>
+    <p:sldId id="259" r:id="rId9"/>
+    <p:sldId id="260" r:id="rId10"/>
+    <p:sldId id="264" r:id="rId11"/>
+    <p:sldId id="262" r:id="rId12"/>
   </p:sldIdLst>
   <p:sldSz cx="12192000" cy="6858000"/>
   <p:notesSz cx="6858000" cy="9144000"/>
@@ -268,7 +271,7 @@
           <a:p>
             <a:fld id="{8A25BD79-734E-41FA-A5EE-7939D0202379}" type="datetimeFigureOut">
               <a:rPr lang="es-CO" smtClean="0"/>
-              <a:t>7/02/2018</a:t>
+              <a:t>7/02/18</a:t>
             </a:fld>
             <a:endParaRPr lang="es-CO"/>
           </a:p>
@@ -468,7 +471,7 @@
           <a:p>
             <a:fld id="{8A25BD79-734E-41FA-A5EE-7939D0202379}" type="datetimeFigureOut">
               <a:rPr lang="es-CO" smtClean="0"/>
-              <a:t>7/02/2018</a:t>
+              <a:t>7/02/18</a:t>
             </a:fld>
             <a:endParaRPr lang="es-CO"/>
           </a:p>
@@ -678,7 +681,7 @@
           <a:p>
             <a:fld id="{8A25BD79-734E-41FA-A5EE-7939D0202379}" type="datetimeFigureOut">
               <a:rPr lang="es-CO" smtClean="0"/>
-              <a:t>7/02/2018</a:t>
+              <a:t>7/02/18</a:t>
             </a:fld>
             <a:endParaRPr lang="es-CO"/>
           </a:p>
@@ -878,7 +881,7 @@
           <a:p>
             <a:fld id="{8A25BD79-734E-41FA-A5EE-7939D0202379}" type="datetimeFigureOut">
               <a:rPr lang="es-CO" smtClean="0"/>
-              <a:t>7/02/2018</a:t>
+              <a:t>7/02/18</a:t>
             </a:fld>
             <a:endParaRPr lang="es-CO"/>
           </a:p>
@@ -1154,7 +1157,7 @@
           <a:p>
             <a:fld id="{8A25BD79-734E-41FA-A5EE-7939D0202379}" type="datetimeFigureOut">
               <a:rPr lang="es-CO" smtClean="0"/>
-              <a:t>7/02/2018</a:t>
+              <a:t>7/02/18</a:t>
             </a:fld>
             <a:endParaRPr lang="es-CO"/>
           </a:p>
@@ -1422,7 +1425,7 @@
           <a:p>
             <a:fld id="{8A25BD79-734E-41FA-A5EE-7939D0202379}" type="datetimeFigureOut">
               <a:rPr lang="es-CO" smtClean="0"/>
-              <a:t>7/02/2018</a:t>
+              <a:t>7/02/18</a:t>
             </a:fld>
             <a:endParaRPr lang="es-CO"/>
           </a:p>
@@ -1837,7 +1840,7 @@
           <a:p>
             <a:fld id="{8A25BD79-734E-41FA-A5EE-7939D0202379}" type="datetimeFigureOut">
               <a:rPr lang="es-CO" smtClean="0"/>
-              <a:t>7/02/2018</a:t>
+              <a:t>7/02/18</a:t>
             </a:fld>
             <a:endParaRPr lang="es-CO"/>
           </a:p>
@@ -1979,7 +1982,7 @@
           <a:p>
             <a:fld id="{8A25BD79-734E-41FA-A5EE-7939D0202379}" type="datetimeFigureOut">
               <a:rPr lang="es-CO" smtClean="0"/>
-              <a:t>7/02/2018</a:t>
+              <a:t>7/02/18</a:t>
             </a:fld>
             <a:endParaRPr lang="es-CO"/>
           </a:p>
@@ -2092,7 +2095,7 @@
           <a:p>
             <a:fld id="{8A25BD79-734E-41FA-A5EE-7939D0202379}" type="datetimeFigureOut">
               <a:rPr lang="es-CO" smtClean="0"/>
-              <a:t>7/02/2018</a:t>
+              <a:t>7/02/18</a:t>
             </a:fld>
             <a:endParaRPr lang="es-CO"/>
           </a:p>
@@ -2405,7 +2408,7 @@
           <a:p>
             <a:fld id="{8A25BD79-734E-41FA-A5EE-7939D0202379}" type="datetimeFigureOut">
               <a:rPr lang="es-CO" smtClean="0"/>
-              <a:t>7/02/2018</a:t>
+              <a:t>7/02/18</a:t>
             </a:fld>
             <a:endParaRPr lang="es-CO"/>
           </a:p>
@@ -2694,7 +2697,7 @@
           <a:p>
             <a:fld id="{8A25BD79-734E-41FA-A5EE-7939D0202379}" type="datetimeFigureOut">
               <a:rPr lang="es-CO" smtClean="0"/>
-              <a:t>7/02/2018</a:t>
+              <a:t>7/02/18</a:t>
             </a:fld>
             <a:endParaRPr lang="es-CO"/>
           </a:p>
@@ -2937,7 +2940,7 @@
           <a:p>
             <a:fld id="{8A25BD79-734E-41FA-A5EE-7939D0202379}" type="datetimeFigureOut">
               <a:rPr lang="es-CO" smtClean="0"/>
-              <a:t>7/02/2018</a:t>
+              <a:t>7/02/18</a:t>
             </a:fld>
             <a:endParaRPr lang="es-CO"/>
           </a:p>
@@ -3405,7 +3408,7 @@
         <p:spPr>
           <a:xfrm>
             <a:off x="4455795" y="844130"/>
-            <a:ext cx="3280410" cy="1015663"/>
+            <a:ext cx="4331366" cy="1015663"/>
           </a:xfrm>
           <a:prstGeom prst="rect">
             <a:avLst/>
@@ -3422,7 +3425,7 @@
               <a:rPr lang="es-CO" sz="6000" dirty="0">
                 <a:latin typeface="Arial Rounded MT Bold" panose="020F0704030504030204" pitchFamily="34" charset="0"/>
               </a:rPr>
-              <a:t>Metford</a:t>
+              <a:t>METFOR</a:t>
             </a:r>
           </a:p>
         </p:txBody>
@@ -3580,6 +3583,1145 @@
     <p:extLst>
       <p:ext uri="{BB962C8B-B14F-4D97-AF65-F5344CB8AC3E}">
         <p14:creationId xmlns:p14="http://schemas.microsoft.com/office/powerpoint/2010/main" val="1979100126"/>
+      </p:ext>
+    </p:extLst>
+  </p:cSld>
+  <p:clrMapOvr>
+    <a:masterClrMapping/>
+  </p:clrMapOvr>
+</p:sld>
+</file>
+
+<file path=ppt/slides/slide10.xml><?xml version="1.0" encoding="utf-8"?>
+<p:sld xmlns:a="http://schemas.openxmlformats.org/drawingml/2006/main" xmlns:r="http://schemas.openxmlformats.org/officeDocument/2006/relationships" xmlns:p="http://schemas.openxmlformats.org/presentationml/2006/main">
+  <p:cSld>
+    <p:spTree>
+      <p:nvGrpSpPr>
+        <p:cNvPr id="1" name=""/>
+        <p:cNvGrpSpPr/>
+        <p:nvPr/>
+      </p:nvGrpSpPr>
+      <p:grpSpPr>
+        <a:xfrm>
+          <a:off x="0" y="0"/>
+          <a:ext cx="0" cy="0"/>
+          <a:chOff x="0" y="0"/>
+          <a:chExt cx="0" cy="0"/>
+        </a:xfrm>
+      </p:grpSpPr>
+      <p:sp>
+        <p:nvSpPr>
+          <p:cNvPr id="2" name="Título 1">
+            <a:extLst>
+              <a:ext uri="{FF2B5EF4-FFF2-40B4-BE49-F238E27FC236}">
+                <a16:creationId xmlns:a16="http://schemas.microsoft.com/office/drawing/2014/main" id="{B2CE7079-73CD-4F11-B2A7-7F2B46569768}"/>
+              </a:ext>
+            </a:extLst>
+          </p:cNvPr>
+          <p:cNvSpPr>
+            <a:spLocks noGrp="1"/>
+          </p:cNvSpPr>
+          <p:nvPr>
+            <p:ph type="title"/>
+          </p:nvPr>
+        </p:nvSpPr>
+        <p:spPr>
+          <a:xfrm>
+            <a:off x="2516529" y="365125"/>
+            <a:ext cx="7254792" cy="1325563"/>
+          </a:xfrm>
+        </p:spPr>
+        <p:txBody>
+          <a:bodyPr/>
+          <a:lstStyle/>
+          <a:p>
+            <a:pPr algn="ctr"/>
+            <a:r>
+              <a:rPr lang="es-CO" dirty="0">
+                <a:latin typeface="Arial Rounded MT Bold" panose="020F0704030504030204" pitchFamily="34" charset="0"/>
+              </a:rPr>
+              <a:t>Comparación de tiempos</a:t>
+            </a:r>
+            <a:endParaRPr lang="es-CO" dirty="0"/>
+          </a:p>
+        </p:txBody>
+      </p:sp>
+      <p:sp>
+        <p:nvSpPr>
+          <p:cNvPr id="3" name="Marcador de contenido 2">
+            <a:extLst>
+              <a:ext uri="{FF2B5EF4-FFF2-40B4-BE49-F238E27FC236}">
+                <a16:creationId xmlns:a16="http://schemas.microsoft.com/office/drawing/2014/main" id="{CAFDDFDC-4A07-4E0D-8D09-ED6053885E8F}"/>
+              </a:ext>
+            </a:extLst>
+          </p:cNvPr>
+          <p:cNvSpPr>
+            <a:spLocks noGrp="1"/>
+          </p:cNvSpPr>
+          <p:nvPr>
+            <p:ph idx="1"/>
+          </p:nvPr>
+        </p:nvSpPr>
+        <p:spPr>
+          <a:xfrm>
+            <a:off x="838200" y="2044431"/>
+            <a:ext cx="10515600" cy="4351338"/>
+          </a:xfrm>
+        </p:spPr>
+        <p:txBody>
+          <a:bodyPr/>
+          <a:lstStyle/>
+          <a:p>
+            <a:r>
+              <a:rPr lang="es-CO" dirty="0"/>
+              <a:t>En la siguiente tabla se puede evidenciar el tiempo estimado y el tiempo gastado por cada integrante </a:t>
+            </a:r>
+          </a:p>
+          <a:p>
+            <a:endParaRPr lang="es-CO" dirty="0"/>
+          </a:p>
+        </p:txBody>
+      </p:sp>
+      <p:pic>
+        <p:nvPicPr>
+          <p:cNvPr id="5" name="Imagen 4">
+            <a:extLst>
+              <a:ext uri="{FF2B5EF4-FFF2-40B4-BE49-F238E27FC236}">
+                <a16:creationId xmlns:a16="http://schemas.microsoft.com/office/drawing/2014/main" id="{465963F1-86E2-47F3-9A41-7DA7AD654B0A}"/>
+              </a:ext>
+            </a:extLst>
+          </p:cNvPr>
+          <p:cNvPicPr>
+            <a:picLocks noChangeAspect="1"/>
+          </p:cNvPicPr>
+          <p:nvPr/>
+        </p:nvPicPr>
+        <p:blipFill>
+          <a:blip r:embed="rId2">
+            <a:extLst>
+              <a:ext uri="{28A0092B-C50C-407E-A947-70E740481C1C}">
+                <a14:useLocalDpi xmlns:a14="http://schemas.microsoft.com/office/drawing/2010/main" val="0"/>
+              </a:ext>
+            </a:extLst>
+          </a:blip>
+          <a:stretch>
+            <a:fillRect/>
+          </a:stretch>
+        </p:blipFill>
+        <p:spPr>
+          <a:xfrm>
+            <a:off x="610679" y="659497"/>
+            <a:ext cx="1145234" cy="1384934"/>
+          </a:xfrm>
+          <a:prstGeom prst="rect">
+            <a:avLst/>
+          </a:prstGeom>
+        </p:spPr>
+      </p:pic>
+      <p:pic>
+        <p:nvPicPr>
+          <p:cNvPr id="6" name="Imagen 5">
+            <a:extLst>
+              <a:ext uri="{FF2B5EF4-FFF2-40B4-BE49-F238E27FC236}">
+                <a16:creationId xmlns:a16="http://schemas.microsoft.com/office/drawing/2014/main" id="{483C6177-D751-4D58-86A6-C1CFB376B2D4}"/>
+              </a:ext>
+            </a:extLst>
+          </p:cNvPr>
+          <p:cNvPicPr>
+            <a:picLocks noChangeAspect="1"/>
+          </p:cNvPicPr>
+          <p:nvPr/>
+        </p:nvPicPr>
+        <p:blipFill>
+          <a:blip r:embed="rId3">
+            <a:extLst>
+              <a:ext uri="{28A0092B-C50C-407E-A947-70E740481C1C}">
+                <a14:useLocalDpi xmlns:a14="http://schemas.microsoft.com/office/drawing/2010/main" val="0"/>
+              </a:ext>
+            </a:extLst>
+          </a:blip>
+          <a:stretch>
+            <a:fillRect/>
+          </a:stretch>
+        </p:blipFill>
+        <p:spPr>
+          <a:xfrm>
+            <a:off x="9956977" y="578475"/>
+            <a:ext cx="1547624" cy="1546975"/>
+          </a:xfrm>
+          <a:prstGeom prst="rect">
+            <a:avLst/>
+          </a:prstGeom>
+        </p:spPr>
+      </p:pic>
+      <p:graphicFrame>
+        <p:nvGraphicFramePr>
+          <p:cNvPr id="7" name="Tabla 6">
+            <a:extLst>
+              <a:ext uri="{FF2B5EF4-FFF2-40B4-BE49-F238E27FC236}">
+                <a16:creationId xmlns:a16="http://schemas.microsoft.com/office/drawing/2014/main" id="{FA29C8FD-54B7-494D-8787-4634CBD4DC5A}"/>
+              </a:ext>
+            </a:extLst>
+          </p:cNvPr>
+          <p:cNvGraphicFramePr>
+            <a:graphicFrameLocks noGrp="1"/>
+          </p:cNvGraphicFramePr>
+          <p:nvPr>
+            <p:extLst>
+              <p:ext uri="{D42A27DB-BD31-4B8C-83A1-F6EECF244321}">
+                <p14:modId xmlns:p14="http://schemas.microsoft.com/office/powerpoint/2010/main" val="1991912622"/>
+              </p:ext>
+            </p:extLst>
+          </p:nvPr>
+        </p:nvGraphicFramePr>
+        <p:xfrm>
+          <a:off x="1688683" y="3315117"/>
+          <a:ext cx="7073322" cy="1694576"/>
+        </p:xfrm>
+        <a:graphic>
+          <a:graphicData uri="http://schemas.openxmlformats.org/drawingml/2006/table">
+            <a:tbl>
+              <a:tblPr>
+                <a:tableStyleId>{5C22544A-7EE6-4342-B048-85BDC9FD1C3A}</a:tableStyleId>
+              </a:tblPr>
+              <a:tblGrid>
+                <a:gridCol w="4220723">
+                  <a:extLst>
+                    <a:ext uri="{9D8B030D-6E8A-4147-A177-3AD203B41FA5}">
+                      <a16:colId xmlns:a16="http://schemas.microsoft.com/office/drawing/2014/main" val="1685560356"/>
+                    </a:ext>
+                  </a:extLst>
+                </a:gridCol>
+                <a:gridCol w="1174750">
+                  <a:extLst>
+                    <a:ext uri="{9D8B030D-6E8A-4147-A177-3AD203B41FA5}">
+                      <a16:colId xmlns:a16="http://schemas.microsoft.com/office/drawing/2014/main" val="2865951437"/>
+                    </a:ext>
+                  </a:extLst>
+                </a:gridCol>
+                <a:gridCol w="1677849">
+                  <a:extLst>
+                    <a:ext uri="{9D8B030D-6E8A-4147-A177-3AD203B41FA5}">
+                      <a16:colId xmlns:a16="http://schemas.microsoft.com/office/drawing/2014/main" val="707014778"/>
+                    </a:ext>
+                  </a:extLst>
+                </a:gridCol>
+              </a:tblGrid>
+              <a:tr h="333578">
+                <a:tc>
+                  <a:txBody>
+                    <a:bodyPr/>
+                    <a:lstStyle/>
+                    <a:p>
+                      <a:pPr algn="ctr" fontAlgn="b"/>
+                      <a:r>
+                        <a:rPr lang="es-ES" sz="1000" u="none" strike="noStrike" dirty="0">
+                          <a:effectLst/>
+                        </a:rPr>
+                        <a:t>Roles</a:t>
+                      </a:r>
+                      <a:endParaRPr lang="es-ES" sz="1000" b="0" i="0" u="none" strike="noStrike" dirty="0">
+                        <a:effectLst/>
+                        <a:latin typeface="Arial" panose="020B0604020202020204" pitchFamily="34" charset="0"/>
+                      </a:endParaRPr>
+                    </a:p>
+                  </a:txBody>
+                  <a:tcPr marL="9525" marR="9525" marT="9525" marB="0" anchor="b"/>
+                </a:tc>
+                <a:tc>
+                  <a:txBody>
+                    <a:bodyPr/>
+                    <a:lstStyle/>
+                    <a:p>
+                      <a:pPr algn="ctr" fontAlgn="b"/>
+                      <a:r>
+                        <a:rPr lang="es-ES" sz="1000" u="none" strike="noStrike" dirty="0">
+                          <a:effectLst/>
+                        </a:rPr>
+                        <a:t>Actividades asignadas</a:t>
+                      </a:r>
+                      <a:endParaRPr lang="es-ES" sz="1000" b="0" i="0" u="none" strike="noStrike" dirty="0">
+                        <a:effectLst/>
+                        <a:latin typeface="Arial" panose="020B0604020202020204" pitchFamily="34" charset="0"/>
+                      </a:endParaRPr>
+                    </a:p>
+                  </a:txBody>
+                  <a:tcPr marL="9525" marR="9525" marT="9525" marB="0" anchor="b"/>
+                </a:tc>
+                <a:tc>
+                  <a:txBody>
+                    <a:bodyPr/>
+                    <a:lstStyle/>
+                    <a:p>
+                      <a:pPr algn="ctr" fontAlgn="b"/>
+                      <a:r>
+                        <a:rPr lang="es-ES" sz="1000" u="none" strike="noStrike" dirty="0">
+                          <a:effectLst/>
+                        </a:rPr>
+                        <a:t>Tiempo asignado</a:t>
+                      </a:r>
+                    </a:p>
+                    <a:p>
+                      <a:pPr algn="ctr" fontAlgn="b"/>
+                      <a:r>
+                        <a:rPr lang="es-ES" sz="1000" u="none" strike="noStrike" kern="1200" dirty="0">
+                          <a:solidFill>
+                            <a:schemeClr val="dk1"/>
+                          </a:solidFill>
+                          <a:effectLst/>
+                          <a:latin typeface="+mn-lt"/>
+                          <a:ea typeface="+mn-ea"/>
+                          <a:cs typeface="+mn-cs"/>
+                        </a:rPr>
+                        <a:t>(minutos)</a:t>
+                      </a:r>
+                    </a:p>
+                  </a:txBody>
+                  <a:tcPr marL="9525" marR="9525" marT="9525" marB="0" anchor="b"/>
+                </a:tc>
+                <a:extLst>
+                  <a:ext uri="{0D108BD9-81ED-4DB2-BD59-A6C34878D82A}">
+                    <a16:rowId xmlns:a16="http://schemas.microsoft.com/office/drawing/2014/main" val="1019409501"/>
+                  </a:ext>
+                </a:extLst>
+              </a:tr>
+              <a:tr h="226833">
+                <a:tc>
+                  <a:txBody>
+                    <a:bodyPr/>
+                    <a:lstStyle/>
+                    <a:p>
+                      <a:pPr algn="ctr" fontAlgn="b"/>
+                      <a:r>
+                        <a:rPr lang="es-ES" sz="1000" u="none" strike="noStrike" dirty="0">
+                          <a:effectLst/>
+                        </a:rPr>
+                        <a:t>Líder de equipo</a:t>
+                      </a:r>
+                      <a:endParaRPr lang="es-ES" sz="1000" b="0" i="0" u="none" strike="noStrike" dirty="0">
+                        <a:effectLst/>
+                        <a:latin typeface="Arial" panose="020B0604020202020204" pitchFamily="34" charset="0"/>
+                      </a:endParaRPr>
+                    </a:p>
+                  </a:txBody>
+                  <a:tcPr marL="9525" marR="9525" marT="9525" marB="0" anchor="b"/>
+                </a:tc>
+                <a:tc>
+                  <a:txBody>
+                    <a:bodyPr/>
+                    <a:lstStyle/>
+                    <a:p>
+                      <a:pPr algn="ctr" fontAlgn="b"/>
+                      <a:r>
+                        <a:rPr lang="es-ES" sz="1000" u="none" strike="noStrike" dirty="0">
+                          <a:effectLst/>
+                        </a:rPr>
+                        <a:t>11</a:t>
+                      </a:r>
+                      <a:endParaRPr lang="es-ES" sz="1000" b="0" i="0" u="none" strike="noStrike" dirty="0">
+                        <a:effectLst/>
+                        <a:latin typeface="Arial" panose="020B0604020202020204" pitchFamily="34" charset="0"/>
+                      </a:endParaRPr>
+                    </a:p>
+                  </a:txBody>
+                  <a:tcPr marL="9525" marR="9525" marT="9525" marB="0" anchor="b"/>
+                </a:tc>
+                <a:tc>
+                  <a:txBody>
+                    <a:bodyPr/>
+                    <a:lstStyle/>
+                    <a:p>
+                      <a:pPr algn="ctr" fontAlgn="b"/>
+                      <a:r>
+                        <a:rPr lang="es-ES" sz="1000" b="0" i="0" u="none" strike="noStrike">
+                          <a:effectLst/>
+                          <a:latin typeface="Arial" panose="020B0604020202020204" pitchFamily="34" charset="0"/>
+                        </a:rPr>
+                        <a:t>355</a:t>
+                      </a:r>
+                    </a:p>
+                  </a:txBody>
+                  <a:tcPr marL="9525" marR="9525" marT="9525" marB="0" anchor="b"/>
+                </a:tc>
+                <a:extLst>
+                  <a:ext uri="{0D108BD9-81ED-4DB2-BD59-A6C34878D82A}">
+                    <a16:rowId xmlns:a16="http://schemas.microsoft.com/office/drawing/2014/main" val="4160260432"/>
+                  </a:ext>
+                </a:extLst>
+              </a:tr>
+              <a:tr h="226833">
+                <a:tc>
+                  <a:txBody>
+                    <a:bodyPr/>
+                    <a:lstStyle/>
+                    <a:p>
+                      <a:pPr algn="ctr" fontAlgn="b"/>
+                      <a:r>
+                        <a:rPr lang="es-ES" sz="1000" u="none" strike="noStrike" dirty="0">
+                          <a:effectLst/>
+                        </a:rPr>
+                        <a:t>Líder de Planeación</a:t>
+                      </a:r>
+                      <a:endParaRPr lang="es-ES" sz="1000" b="0" i="0" u="none" strike="noStrike" dirty="0">
+                        <a:effectLst/>
+                        <a:latin typeface="Arial" panose="020B0604020202020204" pitchFamily="34" charset="0"/>
+                      </a:endParaRPr>
+                    </a:p>
+                  </a:txBody>
+                  <a:tcPr marL="9525" marR="9525" marT="9525" marB="0" anchor="b"/>
+                </a:tc>
+                <a:tc>
+                  <a:txBody>
+                    <a:bodyPr/>
+                    <a:lstStyle/>
+                    <a:p>
+                      <a:pPr algn="ctr" fontAlgn="b"/>
+                      <a:r>
+                        <a:rPr lang="es-ES" sz="1000" u="none" strike="noStrike" dirty="0">
+                          <a:effectLst/>
+                        </a:rPr>
+                        <a:t>12</a:t>
+                      </a:r>
+                      <a:endParaRPr lang="es-ES" sz="1000" b="0" i="0" u="none" strike="noStrike" dirty="0">
+                        <a:effectLst/>
+                        <a:latin typeface="Arial" panose="020B0604020202020204" pitchFamily="34" charset="0"/>
+                      </a:endParaRPr>
+                    </a:p>
+                  </a:txBody>
+                  <a:tcPr marL="9525" marR="9525" marT="9525" marB="0" anchor="b"/>
+                </a:tc>
+                <a:tc>
+                  <a:txBody>
+                    <a:bodyPr/>
+                    <a:lstStyle/>
+                    <a:p>
+                      <a:pPr algn="ctr" fontAlgn="b"/>
+                      <a:r>
+                        <a:rPr lang="es-ES" sz="1000" b="0" i="0" u="none" strike="noStrike">
+                          <a:effectLst/>
+                          <a:latin typeface="Arial" panose="020B0604020202020204" pitchFamily="34" charset="0"/>
+                        </a:rPr>
+                        <a:t>320</a:t>
+                      </a:r>
+                    </a:p>
+                  </a:txBody>
+                  <a:tcPr marL="9525" marR="9525" marT="9525" marB="0" anchor="b"/>
+                </a:tc>
+                <a:extLst>
+                  <a:ext uri="{0D108BD9-81ED-4DB2-BD59-A6C34878D82A}">
+                    <a16:rowId xmlns:a16="http://schemas.microsoft.com/office/drawing/2014/main" val="194511772"/>
+                  </a:ext>
+                </a:extLst>
+              </a:tr>
+              <a:tr h="226833">
+                <a:tc>
+                  <a:txBody>
+                    <a:bodyPr/>
+                    <a:lstStyle/>
+                    <a:p>
+                      <a:pPr algn="ctr" fontAlgn="b"/>
+                      <a:r>
+                        <a:rPr lang="es-ES" sz="1000" u="none" strike="noStrike" dirty="0">
+                          <a:effectLst/>
+                        </a:rPr>
+                        <a:t>Líder de Soporte</a:t>
+                      </a:r>
+                      <a:endParaRPr lang="es-ES" sz="1000" b="0" i="0" u="none" strike="noStrike" dirty="0">
+                        <a:effectLst/>
+                        <a:latin typeface="Arial" panose="020B0604020202020204" pitchFamily="34" charset="0"/>
+                      </a:endParaRPr>
+                    </a:p>
+                  </a:txBody>
+                  <a:tcPr marL="9525" marR="9525" marT="9525" marB="0" anchor="b"/>
+                </a:tc>
+                <a:tc>
+                  <a:txBody>
+                    <a:bodyPr/>
+                    <a:lstStyle/>
+                    <a:p>
+                      <a:pPr algn="ctr" fontAlgn="b"/>
+                      <a:r>
+                        <a:rPr lang="es-ES" sz="1000" u="none" strike="noStrike" dirty="0">
+                          <a:effectLst/>
+                        </a:rPr>
+                        <a:t>13</a:t>
+                      </a:r>
+                      <a:endParaRPr lang="es-ES" sz="1000" b="0" i="0" u="none" strike="noStrike" dirty="0">
+                        <a:effectLst/>
+                        <a:latin typeface="Arial" panose="020B0604020202020204" pitchFamily="34" charset="0"/>
+                      </a:endParaRPr>
+                    </a:p>
+                  </a:txBody>
+                  <a:tcPr marL="9525" marR="9525" marT="9525" marB="0" anchor="b"/>
+                </a:tc>
+                <a:tc>
+                  <a:txBody>
+                    <a:bodyPr/>
+                    <a:lstStyle/>
+                    <a:p>
+                      <a:pPr algn="ctr" fontAlgn="b"/>
+                      <a:r>
+                        <a:rPr lang="es-ES" sz="1000" b="0" i="0" u="none" strike="noStrike">
+                          <a:effectLst/>
+                          <a:latin typeface="Arial" panose="020B0604020202020204" pitchFamily="34" charset="0"/>
+                        </a:rPr>
+                        <a:t>295</a:t>
+                      </a:r>
+                    </a:p>
+                  </a:txBody>
+                  <a:tcPr marL="9525" marR="9525" marT="9525" marB="0" anchor="b"/>
+                </a:tc>
+                <a:extLst>
+                  <a:ext uri="{0D108BD9-81ED-4DB2-BD59-A6C34878D82A}">
+                    <a16:rowId xmlns:a16="http://schemas.microsoft.com/office/drawing/2014/main" val="1975700800"/>
+                  </a:ext>
+                </a:extLst>
+              </a:tr>
+              <a:tr h="226833">
+                <a:tc>
+                  <a:txBody>
+                    <a:bodyPr/>
+                    <a:lstStyle/>
+                    <a:p>
+                      <a:pPr algn="ctr" fontAlgn="b"/>
+                      <a:r>
+                        <a:rPr lang="es-ES" sz="1000" u="none" strike="noStrike" dirty="0">
+                          <a:effectLst/>
+                        </a:rPr>
+                        <a:t>Líder de Desarrollo</a:t>
+                      </a:r>
+                      <a:endParaRPr lang="es-ES" sz="1000" b="0" i="0" u="none" strike="noStrike" dirty="0">
+                        <a:effectLst/>
+                        <a:latin typeface="Arial" panose="020B0604020202020204" pitchFamily="34" charset="0"/>
+                      </a:endParaRPr>
+                    </a:p>
+                  </a:txBody>
+                  <a:tcPr marL="9525" marR="9525" marT="9525" marB="0" anchor="b"/>
+                </a:tc>
+                <a:tc>
+                  <a:txBody>
+                    <a:bodyPr/>
+                    <a:lstStyle/>
+                    <a:p>
+                      <a:pPr algn="ctr" fontAlgn="b"/>
+                      <a:r>
+                        <a:rPr lang="es-ES" sz="1000" u="none" strike="noStrike" dirty="0">
+                          <a:effectLst/>
+                        </a:rPr>
+                        <a:t>12</a:t>
+                      </a:r>
+                      <a:endParaRPr lang="es-ES" sz="1000" b="0" i="0" u="none" strike="noStrike" dirty="0">
+                        <a:effectLst/>
+                        <a:latin typeface="Arial" panose="020B0604020202020204" pitchFamily="34" charset="0"/>
+                      </a:endParaRPr>
+                    </a:p>
+                  </a:txBody>
+                  <a:tcPr marL="9525" marR="9525" marT="9525" marB="0" anchor="b"/>
+                </a:tc>
+                <a:tc>
+                  <a:txBody>
+                    <a:bodyPr/>
+                    <a:lstStyle/>
+                    <a:p>
+                      <a:pPr algn="ctr" fontAlgn="b"/>
+                      <a:r>
+                        <a:rPr lang="es-ES" sz="1000" b="0" i="0" u="none" strike="noStrike">
+                          <a:effectLst/>
+                          <a:latin typeface="Arial" panose="020B0604020202020204" pitchFamily="34" charset="0"/>
+                        </a:rPr>
+                        <a:t>340</a:t>
+                      </a:r>
+                    </a:p>
+                  </a:txBody>
+                  <a:tcPr marL="9525" marR="9525" marT="9525" marB="0" anchor="b"/>
+                </a:tc>
+                <a:extLst>
+                  <a:ext uri="{0D108BD9-81ED-4DB2-BD59-A6C34878D82A}">
+                    <a16:rowId xmlns:a16="http://schemas.microsoft.com/office/drawing/2014/main" val="2364442937"/>
+                  </a:ext>
+                </a:extLst>
+              </a:tr>
+              <a:tr h="226833">
+                <a:tc>
+                  <a:txBody>
+                    <a:bodyPr/>
+                    <a:lstStyle/>
+                    <a:p>
+                      <a:pPr algn="ctr" fontAlgn="b"/>
+                      <a:r>
+                        <a:rPr lang="es-ES" sz="1000" u="none" strike="noStrike">
+                          <a:effectLst/>
+                        </a:rPr>
+                        <a:t>Lider de Calidad</a:t>
+                      </a:r>
+                      <a:endParaRPr lang="es-ES" sz="1000" b="0" i="0" u="none" strike="noStrike">
+                        <a:effectLst/>
+                        <a:latin typeface="Arial" panose="020B0604020202020204" pitchFamily="34" charset="0"/>
+                      </a:endParaRPr>
+                    </a:p>
+                  </a:txBody>
+                  <a:tcPr marL="9525" marR="9525" marT="9525" marB="0" anchor="b"/>
+                </a:tc>
+                <a:tc>
+                  <a:txBody>
+                    <a:bodyPr/>
+                    <a:lstStyle/>
+                    <a:p>
+                      <a:pPr algn="ctr" fontAlgn="b"/>
+                      <a:r>
+                        <a:rPr lang="es-ES" sz="1000" u="none" strike="noStrike" dirty="0">
+                          <a:effectLst/>
+                        </a:rPr>
+                        <a:t>12</a:t>
+                      </a:r>
+                      <a:endParaRPr lang="es-ES" sz="1000" b="0" i="0" u="none" strike="noStrike" dirty="0">
+                        <a:effectLst/>
+                        <a:latin typeface="Arial" panose="020B0604020202020204" pitchFamily="34" charset="0"/>
+                      </a:endParaRPr>
+                    </a:p>
+                  </a:txBody>
+                  <a:tcPr marL="9525" marR="9525" marT="9525" marB="0" anchor="b"/>
+                </a:tc>
+                <a:tc>
+                  <a:txBody>
+                    <a:bodyPr/>
+                    <a:lstStyle/>
+                    <a:p>
+                      <a:pPr algn="ctr" fontAlgn="b"/>
+                      <a:r>
+                        <a:rPr lang="es-ES" sz="1000" b="0" i="0" u="none" strike="noStrike">
+                          <a:effectLst/>
+                          <a:latin typeface="Arial" panose="020B0604020202020204" pitchFamily="34" charset="0"/>
+                        </a:rPr>
+                        <a:t>350</a:t>
+                      </a:r>
+                    </a:p>
+                  </a:txBody>
+                  <a:tcPr marL="9525" marR="9525" marT="9525" marB="0" anchor="b"/>
+                </a:tc>
+                <a:extLst>
+                  <a:ext uri="{0D108BD9-81ED-4DB2-BD59-A6C34878D82A}">
+                    <a16:rowId xmlns:a16="http://schemas.microsoft.com/office/drawing/2014/main" val="3820912008"/>
+                  </a:ext>
+                </a:extLst>
+              </a:tr>
+              <a:tr h="226833">
+                <a:tc>
+                  <a:txBody>
+                    <a:bodyPr/>
+                    <a:lstStyle/>
+                    <a:p>
+                      <a:pPr algn="ctr" fontAlgn="b"/>
+                      <a:r>
+                        <a:rPr lang="es-ES" sz="1000" u="none" strike="noStrike">
+                          <a:effectLst/>
+                        </a:rPr>
+                        <a:t>Lider de Arquitectura</a:t>
+                      </a:r>
+                      <a:endParaRPr lang="es-ES" sz="1000" b="0" i="0" u="none" strike="noStrike">
+                        <a:effectLst/>
+                        <a:latin typeface="Arial" panose="020B0604020202020204" pitchFamily="34" charset="0"/>
+                      </a:endParaRPr>
+                    </a:p>
+                  </a:txBody>
+                  <a:tcPr marL="9525" marR="9525" marT="9525" marB="0" anchor="b"/>
+                </a:tc>
+                <a:tc>
+                  <a:txBody>
+                    <a:bodyPr/>
+                    <a:lstStyle/>
+                    <a:p>
+                      <a:pPr algn="ctr" fontAlgn="b"/>
+                      <a:r>
+                        <a:rPr lang="es-ES" sz="1000" u="none" strike="noStrike" dirty="0">
+                          <a:effectLst/>
+                        </a:rPr>
+                        <a:t>11</a:t>
+                      </a:r>
+                      <a:endParaRPr lang="es-ES" sz="1000" b="0" i="0" u="none" strike="noStrike" dirty="0">
+                        <a:effectLst/>
+                        <a:latin typeface="Arial" panose="020B0604020202020204" pitchFamily="34" charset="0"/>
+                      </a:endParaRPr>
+                    </a:p>
+                  </a:txBody>
+                  <a:tcPr marL="9525" marR="9525" marT="9525" marB="0" anchor="b"/>
+                </a:tc>
+                <a:tc>
+                  <a:txBody>
+                    <a:bodyPr/>
+                    <a:lstStyle/>
+                    <a:p>
+                      <a:pPr algn="ctr" fontAlgn="b"/>
+                      <a:r>
+                        <a:rPr lang="es-ES" sz="1000" b="0" i="0" u="none" strike="noStrike" dirty="0">
+                          <a:effectLst/>
+                          <a:latin typeface="Arial" panose="020B0604020202020204" pitchFamily="34" charset="0"/>
+                        </a:rPr>
+                        <a:t>305</a:t>
+                      </a:r>
+                    </a:p>
+                  </a:txBody>
+                  <a:tcPr marL="9525" marR="9525" marT="9525" marB="0" anchor="b"/>
+                </a:tc>
+                <a:extLst>
+                  <a:ext uri="{0D108BD9-81ED-4DB2-BD59-A6C34878D82A}">
+                    <a16:rowId xmlns:a16="http://schemas.microsoft.com/office/drawing/2014/main" val="607270685"/>
+                  </a:ext>
+                </a:extLst>
+              </a:tr>
+            </a:tbl>
+          </a:graphicData>
+        </a:graphic>
+      </p:graphicFrame>
+      <p:graphicFrame>
+        <p:nvGraphicFramePr>
+          <p:cNvPr id="8" name="Tabla 7">
+            <a:extLst>
+              <a:ext uri="{FF2B5EF4-FFF2-40B4-BE49-F238E27FC236}">
+                <a16:creationId xmlns:a16="http://schemas.microsoft.com/office/drawing/2014/main" id="{80EBB5EF-43D5-4380-96F3-556B839BCFBC}"/>
+              </a:ext>
+            </a:extLst>
+          </p:cNvPr>
+          <p:cNvGraphicFramePr>
+            <a:graphicFrameLocks noGrp="1"/>
+          </p:cNvGraphicFramePr>
+          <p:nvPr>
+            <p:extLst>
+              <p:ext uri="{D42A27DB-BD31-4B8C-83A1-F6EECF244321}">
+                <p14:modId xmlns:p14="http://schemas.microsoft.com/office/powerpoint/2010/main" val="1994190782"/>
+              </p:ext>
+            </p:extLst>
+          </p:nvPr>
+        </p:nvGraphicFramePr>
+        <p:xfrm>
+          <a:off x="8762005" y="3315117"/>
+          <a:ext cx="1677849" cy="1694576"/>
+        </p:xfrm>
+        <a:graphic>
+          <a:graphicData uri="http://schemas.openxmlformats.org/drawingml/2006/table">
+            <a:tbl>
+              <a:tblPr>
+                <a:tableStyleId>{5C22544A-7EE6-4342-B048-85BDC9FD1C3A}</a:tableStyleId>
+              </a:tblPr>
+              <a:tblGrid>
+                <a:gridCol w="1677849">
+                  <a:extLst>
+                    <a:ext uri="{9D8B030D-6E8A-4147-A177-3AD203B41FA5}">
+                      <a16:colId xmlns:a16="http://schemas.microsoft.com/office/drawing/2014/main" val="2447602950"/>
+                    </a:ext>
+                  </a:extLst>
+                </a:gridCol>
+              </a:tblGrid>
+              <a:tr h="333578">
+                <a:tc>
+                  <a:txBody>
+                    <a:bodyPr/>
+                    <a:lstStyle/>
+                    <a:p>
+                      <a:pPr algn="ctr" fontAlgn="b"/>
+                      <a:r>
+                        <a:rPr lang="es-ES" sz="1000" u="none" strike="noStrike" dirty="0">
+                          <a:effectLst/>
+                        </a:rPr>
+                        <a:t>Tiempo consumido</a:t>
+                      </a:r>
+                    </a:p>
+                    <a:p>
+                      <a:pPr algn="ctr" fontAlgn="b"/>
+                      <a:r>
+                        <a:rPr lang="es-ES" sz="1000" u="none" strike="noStrike" kern="1200" dirty="0">
+                          <a:solidFill>
+                            <a:schemeClr val="dk1"/>
+                          </a:solidFill>
+                          <a:effectLst/>
+                          <a:latin typeface="+mn-lt"/>
+                          <a:ea typeface="+mn-ea"/>
+                          <a:cs typeface="+mn-cs"/>
+                        </a:rPr>
+                        <a:t>(minutos)</a:t>
+                      </a:r>
+                    </a:p>
+                  </a:txBody>
+                  <a:tcPr marL="9525" marR="9525" marT="9525" marB="0" anchor="b"/>
+                </a:tc>
+                <a:extLst>
+                  <a:ext uri="{0D108BD9-81ED-4DB2-BD59-A6C34878D82A}">
+                    <a16:rowId xmlns:a16="http://schemas.microsoft.com/office/drawing/2014/main" val="3823065717"/>
+                  </a:ext>
+                </a:extLst>
+              </a:tr>
+              <a:tr h="226833">
+                <a:tc>
+                  <a:txBody>
+                    <a:bodyPr/>
+                    <a:lstStyle/>
+                    <a:p>
+                      <a:pPr marL="0" algn="ctr" defTabSz="914400" rtl="0" eaLnBrk="1" fontAlgn="b" latinLnBrk="0" hangingPunct="1"/>
+                      <a:r>
+                        <a:rPr lang="es-ES" sz="1000" b="0" i="0" u="none" strike="noStrike" kern="1200" dirty="0">
+                          <a:solidFill>
+                            <a:schemeClr val="dk1"/>
+                          </a:solidFill>
+                          <a:effectLst/>
+                          <a:latin typeface="Arial" panose="020B0604020202020204" pitchFamily="34" charset="0"/>
+                          <a:ea typeface="+mn-ea"/>
+                          <a:cs typeface="+mn-cs"/>
+                        </a:rPr>
+                        <a:t>312</a:t>
+                      </a:r>
+                    </a:p>
+                  </a:txBody>
+                  <a:tcPr marL="9525" marR="9525" marT="9525" marB="0" anchor="b"/>
+                </a:tc>
+                <a:extLst>
+                  <a:ext uri="{0D108BD9-81ED-4DB2-BD59-A6C34878D82A}">
+                    <a16:rowId xmlns:a16="http://schemas.microsoft.com/office/drawing/2014/main" val="3105815714"/>
+                  </a:ext>
+                </a:extLst>
+              </a:tr>
+              <a:tr h="226833">
+                <a:tc>
+                  <a:txBody>
+                    <a:bodyPr/>
+                    <a:lstStyle/>
+                    <a:p>
+                      <a:pPr marL="0" algn="ctr" defTabSz="914400" rtl="0" eaLnBrk="1" fontAlgn="b" latinLnBrk="0" hangingPunct="1"/>
+                      <a:r>
+                        <a:rPr lang="es-ES" sz="1000" b="0" i="0" u="none" strike="noStrike" kern="1200" dirty="0">
+                          <a:solidFill>
+                            <a:schemeClr val="dk1"/>
+                          </a:solidFill>
+                          <a:effectLst/>
+                          <a:latin typeface="Arial" panose="020B0604020202020204" pitchFamily="34" charset="0"/>
+                          <a:ea typeface="+mn-ea"/>
+                          <a:cs typeface="+mn-cs"/>
+                        </a:rPr>
+                        <a:t>320</a:t>
+                      </a:r>
+                    </a:p>
+                  </a:txBody>
+                  <a:tcPr marL="9525" marR="9525" marT="9525" marB="0" anchor="b"/>
+                </a:tc>
+                <a:extLst>
+                  <a:ext uri="{0D108BD9-81ED-4DB2-BD59-A6C34878D82A}">
+                    <a16:rowId xmlns:a16="http://schemas.microsoft.com/office/drawing/2014/main" val="552848141"/>
+                  </a:ext>
+                </a:extLst>
+              </a:tr>
+              <a:tr h="226833">
+                <a:tc>
+                  <a:txBody>
+                    <a:bodyPr/>
+                    <a:lstStyle/>
+                    <a:p>
+                      <a:pPr marL="0" algn="ctr" defTabSz="914400" rtl="0" eaLnBrk="1" fontAlgn="b" latinLnBrk="0" hangingPunct="1"/>
+                      <a:r>
+                        <a:rPr lang="es-ES" sz="1000" b="0" i="0" u="none" strike="noStrike" kern="1200" dirty="0">
+                          <a:solidFill>
+                            <a:schemeClr val="dk1"/>
+                          </a:solidFill>
+                          <a:effectLst/>
+                          <a:latin typeface="Arial" panose="020B0604020202020204" pitchFamily="34" charset="0"/>
+                          <a:ea typeface="+mn-ea"/>
+                          <a:cs typeface="+mn-cs"/>
+                        </a:rPr>
+                        <a:t>390</a:t>
+                      </a:r>
+                    </a:p>
+                  </a:txBody>
+                  <a:tcPr marL="9525" marR="9525" marT="9525" marB="0" anchor="b"/>
+                </a:tc>
+                <a:extLst>
+                  <a:ext uri="{0D108BD9-81ED-4DB2-BD59-A6C34878D82A}">
+                    <a16:rowId xmlns:a16="http://schemas.microsoft.com/office/drawing/2014/main" val="4038362865"/>
+                  </a:ext>
+                </a:extLst>
+              </a:tr>
+              <a:tr h="226833">
+                <a:tc>
+                  <a:txBody>
+                    <a:bodyPr/>
+                    <a:lstStyle/>
+                    <a:p>
+                      <a:pPr marL="0" algn="ctr" defTabSz="914400" rtl="0" eaLnBrk="1" fontAlgn="b" latinLnBrk="0" hangingPunct="1"/>
+                      <a:r>
+                        <a:rPr lang="es-ES" sz="1000" b="0" i="0" u="none" strike="noStrike" kern="1200" dirty="0">
+                          <a:solidFill>
+                            <a:schemeClr val="dk1"/>
+                          </a:solidFill>
+                          <a:effectLst/>
+                          <a:latin typeface="Arial" panose="020B0604020202020204" pitchFamily="34" charset="0"/>
+                          <a:ea typeface="+mn-ea"/>
+                          <a:cs typeface="+mn-cs"/>
+                        </a:rPr>
+                        <a:t>326</a:t>
+                      </a:r>
+                    </a:p>
+                  </a:txBody>
+                  <a:tcPr marL="9525" marR="9525" marT="9525" marB="0" anchor="b"/>
+                </a:tc>
+                <a:extLst>
+                  <a:ext uri="{0D108BD9-81ED-4DB2-BD59-A6C34878D82A}">
+                    <a16:rowId xmlns:a16="http://schemas.microsoft.com/office/drawing/2014/main" val="401307551"/>
+                  </a:ext>
+                </a:extLst>
+              </a:tr>
+              <a:tr h="226833">
+                <a:tc>
+                  <a:txBody>
+                    <a:bodyPr/>
+                    <a:lstStyle/>
+                    <a:p>
+                      <a:pPr marL="0" algn="ctr" defTabSz="914400" rtl="0" eaLnBrk="1" fontAlgn="b" latinLnBrk="0" hangingPunct="1"/>
+                      <a:r>
+                        <a:rPr lang="es-ES" sz="1000" b="0" i="0" u="none" strike="noStrike" kern="1200" dirty="0">
+                          <a:solidFill>
+                            <a:schemeClr val="dk1"/>
+                          </a:solidFill>
+                          <a:effectLst/>
+                          <a:latin typeface="Arial" panose="020B0604020202020204" pitchFamily="34" charset="0"/>
+                          <a:ea typeface="+mn-ea"/>
+                          <a:cs typeface="+mn-cs"/>
+                        </a:rPr>
+                        <a:t>474</a:t>
+                      </a:r>
+                    </a:p>
+                  </a:txBody>
+                  <a:tcPr marL="9525" marR="9525" marT="9525" marB="0" anchor="b"/>
+                </a:tc>
+                <a:extLst>
+                  <a:ext uri="{0D108BD9-81ED-4DB2-BD59-A6C34878D82A}">
+                    <a16:rowId xmlns:a16="http://schemas.microsoft.com/office/drawing/2014/main" val="3340644261"/>
+                  </a:ext>
+                </a:extLst>
+              </a:tr>
+              <a:tr h="226833">
+                <a:tc>
+                  <a:txBody>
+                    <a:bodyPr/>
+                    <a:lstStyle/>
+                    <a:p>
+                      <a:pPr marL="0" algn="ctr" defTabSz="914400" rtl="0" eaLnBrk="1" fontAlgn="b" latinLnBrk="0" hangingPunct="1"/>
+                      <a:r>
+                        <a:rPr lang="es-ES" sz="1000" b="0" i="0" u="none" strike="noStrike" kern="1200" dirty="0">
+                          <a:solidFill>
+                            <a:schemeClr val="dk1"/>
+                          </a:solidFill>
+                          <a:effectLst/>
+                          <a:latin typeface="Arial" panose="020B0604020202020204" pitchFamily="34" charset="0"/>
+                          <a:ea typeface="+mn-ea"/>
+                          <a:cs typeface="+mn-cs"/>
+                        </a:rPr>
+                        <a:t>345</a:t>
+                      </a:r>
+                    </a:p>
+                  </a:txBody>
+                  <a:tcPr marL="9525" marR="9525" marT="9525" marB="0" anchor="b"/>
+                </a:tc>
+                <a:extLst>
+                  <a:ext uri="{0D108BD9-81ED-4DB2-BD59-A6C34878D82A}">
+                    <a16:rowId xmlns:a16="http://schemas.microsoft.com/office/drawing/2014/main" val="151242151"/>
+                  </a:ext>
+                </a:extLst>
+              </a:tr>
+            </a:tbl>
+          </a:graphicData>
+        </a:graphic>
+      </p:graphicFrame>
+    </p:spTree>
+    <p:extLst>
+      <p:ext uri="{BB962C8B-B14F-4D97-AF65-F5344CB8AC3E}">
+        <p14:creationId xmlns:p14="http://schemas.microsoft.com/office/powerpoint/2010/main" val="648010092"/>
+      </p:ext>
+    </p:extLst>
+  </p:cSld>
+  <p:clrMapOvr>
+    <a:masterClrMapping/>
+  </p:clrMapOvr>
+</p:sld>
+</file>
+
+<file path=ppt/slides/slide11.xml><?xml version="1.0" encoding="utf-8"?>
+<p:sld xmlns:a="http://schemas.openxmlformats.org/drawingml/2006/main" xmlns:r="http://schemas.openxmlformats.org/officeDocument/2006/relationships" xmlns:p="http://schemas.openxmlformats.org/presentationml/2006/main">
+  <p:cSld>
+    <p:spTree>
+      <p:nvGrpSpPr>
+        <p:cNvPr id="1" name=""/>
+        <p:cNvGrpSpPr/>
+        <p:nvPr/>
+      </p:nvGrpSpPr>
+      <p:grpSpPr>
+        <a:xfrm>
+          <a:off x="0" y="0"/>
+          <a:ext cx="0" cy="0"/>
+          <a:chOff x="0" y="0"/>
+          <a:chExt cx="0" cy="0"/>
+        </a:xfrm>
+      </p:grpSpPr>
+      <p:sp>
+        <p:nvSpPr>
+          <p:cNvPr id="2" name="Título 1">
+            <a:extLst>
+              <a:ext uri="{FF2B5EF4-FFF2-40B4-BE49-F238E27FC236}">
+                <a16:creationId xmlns:a16="http://schemas.microsoft.com/office/drawing/2014/main" id="{B2CE7079-73CD-4F11-B2A7-7F2B46569768}"/>
+              </a:ext>
+            </a:extLst>
+          </p:cNvPr>
+          <p:cNvSpPr>
+            <a:spLocks noGrp="1"/>
+          </p:cNvSpPr>
+          <p:nvPr>
+            <p:ph type="title"/>
+          </p:nvPr>
+        </p:nvSpPr>
+        <p:spPr>
+          <a:xfrm>
+            <a:off x="4728022" y="365125"/>
+            <a:ext cx="2735955" cy="1325563"/>
+          </a:xfrm>
+        </p:spPr>
+        <p:txBody>
+          <a:bodyPr/>
+          <a:lstStyle/>
+          <a:p>
+            <a:r>
+              <a:rPr lang="es-CO" dirty="0"/>
+              <a:t>Conclusión</a:t>
+            </a:r>
+          </a:p>
+        </p:txBody>
+      </p:sp>
+      <p:sp>
+        <p:nvSpPr>
+          <p:cNvPr id="3" name="Marcador de contenido 2">
+            <a:extLst>
+              <a:ext uri="{FF2B5EF4-FFF2-40B4-BE49-F238E27FC236}">
+                <a16:creationId xmlns:a16="http://schemas.microsoft.com/office/drawing/2014/main" id="{CAFDDFDC-4A07-4E0D-8D09-ED6053885E8F}"/>
+              </a:ext>
+            </a:extLst>
+          </p:cNvPr>
+          <p:cNvSpPr>
+            <a:spLocks noGrp="1"/>
+          </p:cNvSpPr>
+          <p:nvPr>
+            <p:ph idx="1"/>
+          </p:nvPr>
+        </p:nvSpPr>
+        <p:spPr>
+          <a:xfrm>
+            <a:off x="838199" y="2125450"/>
+            <a:ext cx="10515600" cy="4351338"/>
+          </a:xfrm>
+        </p:spPr>
+        <p:txBody>
+          <a:bodyPr/>
+          <a:lstStyle/>
+          <a:p>
+            <a:pPr algn="just"/>
+            <a:r>
+              <a:rPr lang="es-CO" dirty="0"/>
+              <a:t>Se realizaron todas las actividades propuestas para esta semana, con un desempeño óptimo por parte de todos los integrantes.</a:t>
+            </a:r>
+          </a:p>
+          <a:p>
+            <a:pPr algn="just"/>
+            <a:r>
+              <a:rPr lang="es-CO" dirty="0"/>
+              <a:t>Se hizo uso de los canales de comunicación para  realizar aportes dentro del grupo.</a:t>
+            </a:r>
+          </a:p>
+          <a:p>
+            <a:pPr algn="just"/>
+            <a:r>
+              <a:rPr lang="es-CO" dirty="0"/>
+              <a:t>Se hizo una retroalimentación, para verificar que todo halla quedado como se deseaba.</a:t>
+            </a:r>
+          </a:p>
+          <a:p>
+            <a:pPr algn="just"/>
+            <a:r>
+              <a:rPr lang="es-CO" dirty="0"/>
+              <a:t>El tiempo de realización del proyecto fue menor al tiempo estimado total.</a:t>
+            </a:r>
+          </a:p>
+        </p:txBody>
+      </p:sp>
+      <p:pic>
+        <p:nvPicPr>
+          <p:cNvPr id="5" name="Imagen 4">
+            <a:extLst>
+              <a:ext uri="{FF2B5EF4-FFF2-40B4-BE49-F238E27FC236}">
+                <a16:creationId xmlns:a16="http://schemas.microsoft.com/office/drawing/2014/main" id="{465963F1-86E2-47F3-9A41-7DA7AD654B0A}"/>
+              </a:ext>
+            </a:extLst>
+          </p:cNvPr>
+          <p:cNvPicPr>
+            <a:picLocks noChangeAspect="1"/>
+          </p:cNvPicPr>
+          <p:nvPr/>
+        </p:nvPicPr>
+        <p:blipFill>
+          <a:blip r:embed="rId2">
+            <a:extLst>
+              <a:ext uri="{28A0092B-C50C-407E-A947-70E740481C1C}">
+                <a14:useLocalDpi xmlns:a14="http://schemas.microsoft.com/office/drawing/2010/main" val="0"/>
+              </a:ext>
+            </a:extLst>
+          </a:blip>
+          <a:stretch>
+            <a:fillRect/>
+          </a:stretch>
+        </p:blipFill>
+        <p:spPr>
+          <a:xfrm>
+            <a:off x="610679" y="659497"/>
+            <a:ext cx="1145234" cy="1384934"/>
+          </a:xfrm>
+          <a:prstGeom prst="rect">
+            <a:avLst/>
+          </a:prstGeom>
+        </p:spPr>
+      </p:pic>
+      <p:pic>
+        <p:nvPicPr>
+          <p:cNvPr id="6" name="Imagen 5">
+            <a:extLst>
+              <a:ext uri="{FF2B5EF4-FFF2-40B4-BE49-F238E27FC236}">
+                <a16:creationId xmlns:a16="http://schemas.microsoft.com/office/drawing/2014/main" id="{483C6177-D751-4D58-86A6-C1CFB376B2D4}"/>
+              </a:ext>
+            </a:extLst>
+          </p:cNvPr>
+          <p:cNvPicPr>
+            <a:picLocks noChangeAspect="1"/>
+          </p:cNvPicPr>
+          <p:nvPr/>
+        </p:nvPicPr>
+        <p:blipFill>
+          <a:blip r:embed="rId3">
+            <a:extLst>
+              <a:ext uri="{28A0092B-C50C-407E-A947-70E740481C1C}">
+                <a14:useLocalDpi xmlns:a14="http://schemas.microsoft.com/office/drawing/2010/main" val="0"/>
+              </a:ext>
+            </a:extLst>
+          </a:blip>
+          <a:stretch>
+            <a:fillRect/>
+          </a:stretch>
+        </p:blipFill>
+        <p:spPr>
+          <a:xfrm>
+            <a:off x="9956977" y="578475"/>
+            <a:ext cx="1547624" cy="1546975"/>
+          </a:xfrm>
+          <a:prstGeom prst="rect">
+            <a:avLst/>
+          </a:prstGeom>
+        </p:spPr>
+      </p:pic>
+    </p:spTree>
+    <p:extLst>
+      <p:ext uri="{BB962C8B-B14F-4D97-AF65-F5344CB8AC3E}">
+        <p14:creationId xmlns:p14="http://schemas.microsoft.com/office/powerpoint/2010/main" val="697554320"/>
       </p:ext>
     </p:extLst>
   </p:cSld>
@@ -5168,8 +6310,8 @@
         </p:nvSpPr>
         <p:spPr>
           <a:xfrm>
-            <a:off x="4873256" y="397023"/>
-            <a:ext cx="2445488" cy="1325563"/>
+            <a:off x="3709115" y="397023"/>
+            <a:ext cx="4610637" cy="1325563"/>
           </a:xfrm>
         </p:spPr>
         <p:txBody>
@@ -5177,8 +6319,10 @@
           <a:lstStyle/>
           <a:p>
             <a:r>
-              <a:rPr lang="es-CO" dirty="0"/>
-              <a:t>Objetivos</a:t>
+              <a:rPr lang="es-CO" sz="3200" dirty="0">
+                <a:latin typeface="Arial Rounded MT Bold" panose="020F0704030504030204" pitchFamily="34" charset="0"/>
+              </a:rPr>
+              <a:t>Objetivos Grupales</a:t>
             </a:r>
           </a:p>
         </p:txBody>
@@ -5218,19 +6362,21 @@
             </a:r>
           </a:p>
           <a:p>
+            <a:pPr algn="just"/>
             <a:r>
               <a:rPr lang="es-CO" sz="2400" dirty="0"/>
               <a:t>Desarrollar un producto, que satisfaga las necesidades presentadas en el problema y que posea una excelente calidad.</a:t>
             </a:r>
           </a:p>
           <a:p>
+            <a:pPr algn="just"/>
             <a:r>
               <a:rPr lang="es-CO" sz="2400" dirty="0"/>
               <a:t>Llevar un control exhaustivo de las métricas de cada uno de los integrantes, con el fin de poder realizar una distribución de tareas más eficiente.</a:t>
             </a:r>
           </a:p>
           <a:p>
-            <a:pPr marL="0" indent="0">
+            <a:pPr marL="0" indent="0" algn="just">
               <a:buNone/>
             </a:pPr>
             <a:endParaRPr lang="es-CO" b="1" i="1" dirty="0"/>
@@ -5315,7 +6461,7 @@
           <p:nvPr/>
         </p:nvPicPr>
         <p:blipFill>
-          <a:blip r:embed="rId3">
+          <a:blip r:embed="rId3" cstate="print">
             <a:extLst>
               <a:ext uri="{28A0092B-C50C-407E-A947-70E740481C1C}">
                 <a14:useLocalDpi xmlns:a14="http://schemas.microsoft.com/office/drawing/2010/main" val="0"/>
@@ -5339,7 +6485,7 @@
     </p:spTree>
     <p:extLst>
       <p:ext uri="{BB962C8B-B14F-4D97-AF65-F5344CB8AC3E}">
-        <p14:creationId xmlns:p14="http://schemas.microsoft.com/office/powerpoint/2010/main" val="2368104309"/>
+        <p14:creationId xmlns:p14="http://schemas.microsoft.com/office/powerpoint/2010/main" val="2979053341"/>
       </p:ext>
     </p:extLst>
   </p:cSld>
@@ -5350,6 +6496,707 @@
 </file>
 
 <file path=ppt/slides/slide5.xml><?xml version="1.0" encoding="utf-8"?>
+<p:sld xmlns:a="http://schemas.openxmlformats.org/drawingml/2006/main" xmlns:r="http://schemas.openxmlformats.org/officeDocument/2006/relationships" xmlns:p="http://schemas.openxmlformats.org/presentationml/2006/main">
+  <p:cSld>
+    <p:spTree>
+      <p:nvGrpSpPr>
+        <p:cNvPr id="1" name=""/>
+        <p:cNvGrpSpPr/>
+        <p:nvPr/>
+      </p:nvGrpSpPr>
+      <p:grpSpPr>
+        <a:xfrm>
+          <a:off x="0" y="0"/>
+          <a:ext cx="0" cy="0"/>
+          <a:chOff x="0" y="0"/>
+          <a:chExt cx="0" cy="0"/>
+        </a:xfrm>
+      </p:grpSpPr>
+      <p:sp>
+        <p:nvSpPr>
+          <p:cNvPr id="2" name="Título 1">
+            <a:extLst>
+              <a:ext uri="{FF2B5EF4-FFF2-40B4-BE49-F238E27FC236}">
+                <a16:creationId xmlns:a16="http://schemas.microsoft.com/office/drawing/2014/main" id="{32C7BC0D-EA42-4505-A924-A170B51ED56B}"/>
+              </a:ext>
+            </a:extLst>
+          </p:cNvPr>
+          <p:cNvSpPr>
+            <a:spLocks noGrp="1"/>
+          </p:cNvSpPr>
+          <p:nvPr>
+            <p:ph type="title"/>
+          </p:nvPr>
+        </p:nvSpPr>
+        <p:spPr>
+          <a:xfrm>
+            <a:off x="4873256" y="397023"/>
+            <a:ext cx="2445488" cy="1325563"/>
+          </a:xfrm>
+        </p:spPr>
+        <p:txBody>
+          <a:bodyPr/>
+          <a:lstStyle/>
+          <a:p>
+            <a:r>
+              <a:rPr lang="es-CO" sz="3200" dirty="0">
+                <a:latin typeface="Arial Rounded MT Bold" panose="020F0704030504030204" pitchFamily="34" charset="0"/>
+              </a:rPr>
+              <a:t>Objetivos</a:t>
+            </a:r>
+          </a:p>
+        </p:txBody>
+      </p:sp>
+      <p:sp>
+        <p:nvSpPr>
+          <p:cNvPr id="3" name="Marcador de contenido 2">
+            <a:extLst>
+              <a:ext uri="{FF2B5EF4-FFF2-40B4-BE49-F238E27FC236}">
+                <a16:creationId xmlns:a16="http://schemas.microsoft.com/office/drawing/2014/main" id="{583F3768-2335-460A-AD49-5BF499C89628}"/>
+              </a:ext>
+            </a:extLst>
+          </p:cNvPr>
+          <p:cNvSpPr>
+            <a:spLocks noGrp="1"/>
+          </p:cNvSpPr>
+          <p:nvPr>
+            <p:ph idx="1"/>
+          </p:nvPr>
+        </p:nvSpPr>
+        <p:spPr>
+          <a:xfrm>
+            <a:off x="838200" y="2125450"/>
+            <a:ext cx="10515600" cy="4351338"/>
+          </a:xfrm>
+        </p:spPr>
+        <p:txBody>
+          <a:bodyPr>
+            <a:normAutofit/>
+          </a:bodyPr>
+          <a:lstStyle/>
+          <a:p>
+            <a:pPr marL="0" indent="0">
+              <a:buNone/>
+            </a:pPr>
+            <a:r>
+              <a:rPr lang="es-CO" b="1" i="1" dirty="0"/>
+              <a:t>Objetivos del líder del equipo</a:t>
+            </a:r>
+          </a:p>
+          <a:p>
+            <a:pPr algn="just"/>
+            <a:r>
+              <a:rPr lang="es-CO" sz="2400" dirty="0"/>
+              <a:t>Velar por los aspectos del proyecto que pueda influir en sus alcances, metas, plazos y riesgos, realizando el análisis de impacto correspondiente.</a:t>
+            </a:r>
+          </a:p>
+          <a:p>
+            <a:pPr algn="just"/>
+            <a:r>
+              <a:rPr lang="es-CO" sz="2400" dirty="0"/>
+              <a:t>Verificar que a los integrantes del grupo hayan desarrollado y entregado las actividades asignadas.</a:t>
+            </a:r>
+          </a:p>
+          <a:p>
+            <a:pPr marL="0" indent="0" algn="just">
+              <a:buNone/>
+            </a:pPr>
+            <a:endParaRPr lang="es-CO" sz="2400" dirty="0"/>
+          </a:p>
+          <a:p>
+            <a:pPr marL="0" indent="0">
+              <a:buNone/>
+            </a:pPr>
+            <a:r>
+              <a:rPr lang="es-CO" b="1" i="1" dirty="0"/>
+              <a:t>Objetivos del líder de planeación </a:t>
+            </a:r>
+          </a:p>
+          <a:p>
+            <a:r>
+              <a:rPr lang="es-CO" sz="2400" dirty="0"/>
+              <a:t>Cumplir con los horarios establecidos para las reuniones del equipo.</a:t>
+            </a:r>
+          </a:p>
+          <a:p>
+            <a:r>
+              <a:rPr lang="es-CO" sz="2400" dirty="0"/>
+              <a:t> Cumplir con las tareas asignadas de manera oportuna.</a:t>
+            </a:r>
+          </a:p>
+          <a:p>
+            <a:endParaRPr lang="es-CO" dirty="0"/>
+          </a:p>
+          <a:p>
+            <a:endParaRPr lang="es-CO" dirty="0"/>
+          </a:p>
+        </p:txBody>
+      </p:sp>
+      <p:pic>
+        <p:nvPicPr>
+          <p:cNvPr id="4" name="Imagen 3">
+            <a:extLst>
+              <a:ext uri="{FF2B5EF4-FFF2-40B4-BE49-F238E27FC236}">
+                <a16:creationId xmlns:a16="http://schemas.microsoft.com/office/drawing/2014/main" id="{171C0F56-C65C-4550-96C4-742355C34797}"/>
+              </a:ext>
+            </a:extLst>
+          </p:cNvPr>
+          <p:cNvPicPr>
+            <a:picLocks noChangeAspect="1"/>
+          </p:cNvPicPr>
+          <p:nvPr/>
+        </p:nvPicPr>
+        <p:blipFill>
+          <a:blip r:embed="rId2">
+            <a:extLst>
+              <a:ext uri="{28A0092B-C50C-407E-A947-70E740481C1C}">
+                <a14:useLocalDpi xmlns:a14="http://schemas.microsoft.com/office/drawing/2010/main" val="0"/>
+              </a:ext>
+            </a:extLst>
+          </a:blip>
+          <a:stretch>
+            <a:fillRect/>
+          </a:stretch>
+        </p:blipFill>
+        <p:spPr>
+          <a:xfrm>
+            <a:off x="610679" y="659497"/>
+            <a:ext cx="1145234" cy="1384934"/>
+          </a:xfrm>
+          <a:prstGeom prst="rect">
+            <a:avLst/>
+          </a:prstGeom>
+        </p:spPr>
+      </p:pic>
+      <p:pic>
+        <p:nvPicPr>
+          <p:cNvPr id="5" name="Imagen 4">
+            <a:extLst>
+              <a:ext uri="{FF2B5EF4-FFF2-40B4-BE49-F238E27FC236}">
+                <a16:creationId xmlns:a16="http://schemas.microsoft.com/office/drawing/2014/main" id="{ACC1CE81-B5E4-47AB-93E8-0FEF4689A8E6}"/>
+              </a:ext>
+            </a:extLst>
+          </p:cNvPr>
+          <p:cNvPicPr>
+            <a:picLocks noChangeAspect="1"/>
+          </p:cNvPicPr>
+          <p:nvPr/>
+        </p:nvPicPr>
+        <p:blipFill>
+          <a:blip r:embed="rId3" cstate="print">
+            <a:extLst>
+              <a:ext uri="{28A0092B-C50C-407E-A947-70E740481C1C}">
+                <a14:useLocalDpi xmlns:a14="http://schemas.microsoft.com/office/drawing/2010/main" val="0"/>
+              </a:ext>
+            </a:extLst>
+          </a:blip>
+          <a:stretch>
+            <a:fillRect/>
+          </a:stretch>
+        </p:blipFill>
+        <p:spPr>
+          <a:xfrm>
+            <a:off x="9956977" y="578475"/>
+            <a:ext cx="1547624" cy="1546975"/>
+          </a:xfrm>
+          <a:prstGeom prst="rect">
+            <a:avLst/>
+          </a:prstGeom>
+        </p:spPr>
+      </p:pic>
+    </p:spTree>
+    <p:extLst>
+      <p:ext uri="{BB962C8B-B14F-4D97-AF65-F5344CB8AC3E}">
+        <p14:creationId xmlns:p14="http://schemas.microsoft.com/office/powerpoint/2010/main" val="3803284843"/>
+      </p:ext>
+    </p:extLst>
+  </p:cSld>
+  <p:clrMapOvr>
+    <a:masterClrMapping/>
+  </p:clrMapOvr>
+</p:sld>
+</file>
+
+<file path=ppt/slides/slide6.xml><?xml version="1.0" encoding="utf-8"?>
+<p:sld xmlns:a="http://schemas.openxmlformats.org/drawingml/2006/main" xmlns:r="http://schemas.openxmlformats.org/officeDocument/2006/relationships" xmlns:p="http://schemas.openxmlformats.org/presentationml/2006/main">
+  <p:cSld>
+    <p:spTree>
+      <p:nvGrpSpPr>
+        <p:cNvPr id="1" name=""/>
+        <p:cNvGrpSpPr/>
+        <p:nvPr/>
+      </p:nvGrpSpPr>
+      <p:grpSpPr>
+        <a:xfrm>
+          <a:off x="0" y="0"/>
+          <a:ext cx="0" cy="0"/>
+          <a:chOff x="0" y="0"/>
+          <a:chExt cx="0" cy="0"/>
+        </a:xfrm>
+      </p:grpSpPr>
+      <p:sp>
+        <p:nvSpPr>
+          <p:cNvPr id="2" name="Título 1">
+            <a:extLst>
+              <a:ext uri="{FF2B5EF4-FFF2-40B4-BE49-F238E27FC236}">
+                <a16:creationId xmlns:a16="http://schemas.microsoft.com/office/drawing/2014/main" id="{32C7BC0D-EA42-4505-A924-A170B51ED56B}"/>
+              </a:ext>
+            </a:extLst>
+          </p:cNvPr>
+          <p:cNvSpPr>
+            <a:spLocks noGrp="1"/>
+          </p:cNvSpPr>
+          <p:nvPr>
+            <p:ph type="title"/>
+          </p:nvPr>
+        </p:nvSpPr>
+        <p:spPr>
+          <a:xfrm>
+            <a:off x="4873256" y="397023"/>
+            <a:ext cx="2445488" cy="1325563"/>
+          </a:xfrm>
+        </p:spPr>
+        <p:txBody>
+          <a:bodyPr/>
+          <a:lstStyle/>
+          <a:p>
+            <a:r>
+              <a:rPr lang="es-CO" sz="3200" dirty="0">
+                <a:latin typeface="Arial Rounded MT Bold" panose="020F0704030504030204" pitchFamily="34" charset="0"/>
+              </a:rPr>
+              <a:t>Objetivos</a:t>
+            </a:r>
+          </a:p>
+        </p:txBody>
+      </p:sp>
+      <p:sp>
+        <p:nvSpPr>
+          <p:cNvPr id="3" name="Marcador de contenido 2">
+            <a:extLst>
+              <a:ext uri="{FF2B5EF4-FFF2-40B4-BE49-F238E27FC236}">
+                <a16:creationId xmlns:a16="http://schemas.microsoft.com/office/drawing/2014/main" id="{583F3768-2335-460A-AD49-5BF499C89628}"/>
+              </a:ext>
+            </a:extLst>
+          </p:cNvPr>
+          <p:cNvSpPr>
+            <a:spLocks noGrp="1"/>
+          </p:cNvSpPr>
+          <p:nvPr>
+            <p:ph idx="1"/>
+          </p:nvPr>
+        </p:nvSpPr>
+        <p:spPr>
+          <a:xfrm>
+            <a:off x="838200" y="2084603"/>
+            <a:ext cx="10515600" cy="4643340"/>
+          </a:xfrm>
+        </p:spPr>
+        <p:txBody>
+          <a:bodyPr>
+            <a:normAutofit fontScale="92500" lnSpcReduction="10000"/>
+          </a:bodyPr>
+          <a:lstStyle/>
+          <a:p>
+            <a:pPr marL="0" indent="0">
+              <a:buNone/>
+            </a:pPr>
+            <a:r>
+              <a:rPr lang="es-CO" b="1" i="1" dirty="0"/>
+              <a:t>Objetivos del líder desarrollo</a:t>
+            </a:r>
+          </a:p>
+          <a:p>
+            <a:pPr algn="just"/>
+            <a:r>
+              <a:rPr lang="es-CO" dirty="0"/>
+              <a:t>Emplear estándares de calidad y diseño para el desarrollo del producto.</a:t>
+            </a:r>
+          </a:p>
+          <a:p>
+            <a:pPr algn="just"/>
+            <a:r>
+              <a:rPr lang="es-CO" dirty="0"/>
+              <a:t>Complementar trabajo con el líder de arquitectura para la eficiente elaboración del proyecto e implementación de herramientas adecuadas que satisfagan los requerimientos del proyecto.</a:t>
+            </a:r>
+            <a:endParaRPr lang="es-CO" sz="2400" dirty="0"/>
+          </a:p>
+          <a:p>
+            <a:pPr marL="0" indent="0" algn="just">
+              <a:buNone/>
+            </a:pPr>
+            <a:endParaRPr lang="es-CO" sz="2400" dirty="0"/>
+          </a:p>
+          <a:p>
+            <a:pPr marL="0" indent="0">
+              <a:buNone/>
+            </a:pPr>
+            <a:r>
+              <a:rPr lang="es-CO" b="1" i="1" dirty="0"/>
+              <a:t>Objetivos del líder de soporte </a:t>
+            </a:r>
+          </a:p>
+          <a:p>
+            <a:pPr algn="just"/>
+            <a:r>
+              <a:rPr lang="es-CO" dirty="0"/>
+              <a:t>Suministrar a los integrantes del grupo las herramientas necesarias para el desarrollo de distintas tareas.</a:t>
+            </a:r>
+            <a:r>
+              <a:rPr lang="es-CO" sz="2400" dirty="0"/>
+              <a:t> </a:t>
+            </a:r>
+            <a:r>
+              <a:rPr lang="es-CO" dirty="0"/>
+              <a:t>Cumplir con las tareas asignadas de manera oportuna.</a:t>
+            </a:r>
+          </a:p>
+          <a:p>
+            <a:r>
+              <a:rPr lang="es-CO" dirty="0"/>
+              <a:t>Verificar la oportuna y correcta finalización del producto en cada ciclo.</a:t>
+            </a:r>
+          </a:p>
+          <a:p>
+            <a:endParaRPr lang="es-CO" sz="2400" dirty="0"/>
+          </a:p>
+          <a:p>
+            <a:endParaRPr lang="es-CO" sz="2400" dirty="0"/>
+          </a:p>
+          <a:p>
+            <a:endParaRPr lang="es-CO" dirty="0"/>
+          </a:p>
+          <a:p>
+            <a:endParaRPr lang="es-CO" dirty="0"/>
+          </a:p>
+        </p:txBody>
+      </p:sp>
+      <p:pic>
+        <p:nvPicPr>
+          <p:cNvPr id="4" name="Imagen 3">
+            <a:extLst>
+              <a:ext uri="{FF2B5EF4-FFF2-40B4-BE49-F238E27FC236}">
+                <a16:creationId xmlns:a16="http://schemas.microsoft.com/office/drawing/2014/main" id="{171C0F56-C65C-4550-96C4-742355C34797}"/>
+              </a:ext>
+            </a:extLst>
+          </p:cNvPr>
+          <p:cNvPicPr>
+            <a:picLocks noChangeAspect="1"/>
+          </p:cNvPicPr>
+          <p:nvPr/>
+        </p:nvPicPr>
+        <p:blipFill>
+          <a:blip r:embed="rId2">
+            <a:extLst>
+              <a:ext uri="{28A0092B-C50C-407E-A947-70E740481C1C}">
+                <a14:useLocalDpi xmlns:a14="http://schemas.microsoft.com/office/drawing/2010/main" val="0"/>
+              </a:ext>
+            </a:extLst>
+          </a:blip>
+          <a:stretch>
+            <a:fillRect/>
+          </a:stretch>
+        </p:blipFill>
+        <p:spPr>
+          <a:xfrm>
+            <a:off x="610679" y="659497"/>
+            <a:ext cx="1145234" cy="1384934"/>
+          </a:xfrm>
+          <a:prstGeom prst="rect">
+            <a:avLst/>
+          </a:prstGeom>
+        </p:spPr>
+      </p:pic>
+      <p:pic>
+        <p:nvPicPr>
+          <p:cNvPr id="5" name="Imagen 4">
+            <a:extLst>
+              <a:ext uri="{FF2B5EF4-FFF2-40B4-BE49-F238E27FC236}">
+                <a16:creationId xmlns:a16="http://schemas.microsoft.com/office/drawing/2014/main" id="{ACC1CE81-B5E4-47AB-93E8-0FEF4689A8E6}"/>
+              </a:ext>
+            </a:extLst>
+          </p:cNvPr>
+          <p:cNvPicPr>
+            <a:picLocks noChangeAspect="1"/>
+          </p:cNvPicPr>
+          <p:nvPr/>
+        </p:nvPicPr>
+        <p:blipFill>
+          <a:blip r:embed="rId3" cstate="print">
+            <a:extLst>
+              <a:ext uri="{28A0092B-C50C-407E-A947-70E740481C1C}">
+                <a14:useLocalDpi xmlns:a14="http://schemas.microsoft.com/office/drawing/2010/main" val="0"/>
+              </a:ext>
+            </a:extLst>
+          </a:blip>
+          <a:stretch>
+            <a:fillRect/>
+          </a:stretch>
+        </p:blipFill>
+        <p:spPr>
+          <a:xfrm>
+            <a:off x="9956977" y="578475"/>
+            <a:ext cx="1547624" cy="1546975"/>
+          </a:xfrm>
+          <a:prstGeom prst="rect">
+            <a:avLst/>
+          </a:prstGeom>
+        </p:spPr>
+      </p:pic>
+    </p:spTree>
+    <p:extLst>
+      <p:ext uri="{BB962C8B-B14F-4D97-AF65-F5344CB8AC3E}">
+        <p14:creationId xmlns:p14="http://schemas.microsoft.com/office/powerpoint/2010/main" val="3911411940"/>
+      </p:ext>
+    </p:extLst>
+  </p:cSld>
+  <p:clrMapOvr>
+    <a:masterClrMapping/>
+  </p:clrMapOvr>
+</p:sld>
+</file>
+
+<file path=ppt/slides/slide7.xml><?xml version="1.0" encoding="utf-8"?>
+<p:sld xmlns:a="http://schemas.openxmlformats.org/drawingml/2006/main" xmlns:r="http://schemas.openxmlformats.org/officeDocument/2006/relationships" xmlns:p="http://schemas.openxmlformats.org/presentationml/2006/main">
+  <p:cSld>
+    <p:spTree>
+      <p:nvGrpSpPr>
+        <p:cNvPr id="1" name=""/>
+        <p:cNvGrpSpPr/>
+        <p:nvPr/>
+      </p:nvGrpSpPr>
+      <p:grpSpPr>
+        <a:xfrm>
+          <a:off x="0" y="0"/>
+          <a:ext cx="0" cy="0"/>
+          <a:chOff x="0" y="0"/>
+          <a:chExt cx="0" cy="0"/>
+        </a:xfrm>
+      </p:grpSpPr>
+      <p:sp>
+        <p:nvSpPr>
+          <p:cNvPr id="2" name="Título 1">
+            <a:extLst>
+              <a:ext uri="{FF2B5EF4-FFF2-40B4-BE49-F238E27FC236}">
+                <a16:creationId xmlns:a16="http://schemas.microsoft.com/office/drawing/2014/main" id="{32C7BC0D-EA42-4505-A924-A170B51ED56B}"/>
+              </a:ext>
+            </a:extLst>
+          </p:cNvPr>
+          <p:cNvSpPr>
+            <a:spLocks noGrp="1"/>
+          </p:cNvSpPr>
+          <p:nvPr>
+            <p:ph type="title"/>
+          </p:nvPr>
+        </p:nvSpPr>
+        <p:spPr>
+          <a:xfrm>
+            <a:off x="4873256" y="397023"/>
+            <a:ext cx="2445488" cy="1325563"/>
+          </a:xfrm>
+        </p:spPr>
+        <p:txBody>
+          <a:bodyPr/>
+          <a:lstStyle/>
+          <a:p>
+            <a:r>
+              <a:rPr lang="es-CO" sz="3200" dirty="0">
+                <a:latin typeface="Arial Rounded MT Bold" panose="020F0704030504030204" pitchFamily="34" charset="0"/>
+              </a:rPr>
+              <a:t>Objetivos</a:t>
+            </a:r>
+          </a:p>
+        </p:txBody>
+      </p:sp>
+      <p:sp>
+        <p:nvSpPr>
+          <p:cNvPr id="3" name="Marcador de contenido 2">
+            <a:extLst>
+              <a:ext uri="{FF2B5EF4-FFF2-40B4-BE49-F238E27FC236}">
+                <a16:creationId xmlns:a16="http://schemas.microsoft.com/office/drawing/2014/main" id="{583F3768-2335-460A-AD49-5BF499C89628}"/>
+              </a:ext>
+            </a:extLst>
+          </p:cNvPr>
+          <p:cNvSpPr>
+            <a:spLocks noGrp="1"/>
+          </p:cNvSpPr>
+          <p:nvPr>
+            <p:ph idx="1"/>
+          </p:nvPr>
+        </p:nvSpPr>
+        <p:spPr>
+          <a:xfrm>
+            <a:off x="838200" y="2084603"/>
+            <a:ext cx="10515600" cy="4643340"/>
+          </a:xfrm>
+        </p:spPr>
+        <p:txBody>
+          <a:bodyPr>
+            <a:normAutofit fontScale="70000" lnSpcReduction="20000"/>
+          </a:bodyPr>
+          <a:lstStyle/>
+          <a:p>
+            <a:pPr marL="0" indent="0">
+              <a:buNone/>
+            </a:pPr>
+            <a:r>
+              <a:rPr lang="es-CO" b="1" i="1" dirty="0"/>
+              <a:t>Objetivos del líder de calidad</a:t>
+            </a:r>
+          </a:p>
+          <a:p>
+            <a:pPr marL="0" indent="0">
+              <a:buNone/>
+            </a:pPr>
+            <a:endParaRPr lang="es-CO" b="1" i="1" dirty="0"/>
+          </a:p>
+          <a:p>
+            <a:pPr algn="just"/>
+            <a:r>
+              <a:rPr lang="es-CO" dirty="0"/>
+              <a:t>Realizar los respectivos formatos y plantillas a utilizar durante la gestión del proyecto, esto con el fin de tener un manejo eficiente de la información capturada mientras se desempeñan las diferentes tareas. Complementar trabajo con el líder de arquitectura para la eficiente elaboración del proyecto e implementación de herramientas adecuadas que satisfagan los requerimientos del proyecto.</a:t>
+            </a:r>
+          </a:p>
+          <a:p>
+            <a:pPr marL="0" indent="0" algn="just">
+              <a:buNone/>
+            </a:pPr>
+            <a:endParaRPr lang="es-CO" dirty="0"/>
+          </a:p>
+          <a:p>
+            <a:pPr algn="just"/>
+            <a:r>
+              <a:rPr lang="es-CO" dirty="0"/>
+              <a:t>Registro de los defectos que se presentan durante el desarrollo del proyecto.</a:t>
+            </a:r>
+          </a:p>
+          <a:p>
+            <a:pPr algn="just"/>
+            <a:endParaRPr lang="es-CO" sz="2400" dirty="0"/>
+          </a:p>
+          <a:p>
+            <a:pPr marL="0" indent="0" algn="just">
+              <a:buNone/>
+            </a:pPr>
+            <a:endParaRPr lang="es-CO" sz="2400" dirty="0"/>
+          </a:p>
+          <a:p>
+            <a:pPr marL="0" indent="0">
+              <a:buNone/>
+            </a:pPr>
+            <a:r>
+              <a:rPr lang="es-CO" b="1" i="1" dirty="0"/>
+              <a:t>Objetivos del líder de arquitectura  </a:t>
+            </a:r>
+          </a:p>
+          <a:p>
+            <a:r>
+              <a:rPr lang="es-CO" dirty="0"/>
+              <a:t>Desarrollar, supervisar e inspeccionar los resultados del trabajo de codificación, junto con el líder de desarrollo con el fin de verificar que las tareas realizadas y el desarrollo del proyecto sea de la mejor forma posible en cuanto a las tecnologías y herramientas que se utilizan.</a:t>
+            </a:r>
+          </a:p>
+          <a:p>
+            <a:pPr marL="0" indent="0">
+              <a:buNone/>
+            </a:pPr>
+            <a:endParaRPr lang="es-CO" sz="2400" dirty="0"/>
+          </a:p>
+          <a:p>
+            <a:endParaRPr lang="es-CO" sz="2400" dirty="0"/>
+          </a:p>
+          <a:p>
+            <a:endParaRPr lang="es-CO" dirty="0"/>
+          </a:p>
+          <a:p>
+            <a:endParaRPr lang="es-CO" dirty="0"/>
+          </a:p>
+        </p:txBody>
+      </p:sp>
+      <p:pic>
+        <p:nvPicPr>
+          <p:cNvPr id="4" name="Imagen 3">
+            <a:extLst>
+              <a:ext uri="{FF2B5EF4-FFF2-40B4-BE49-F238E27FC236}">
+                <a16:creationId xmlns:a16="http://schemas.microsoft.com/office/drawing/2014/main" id="{171C0F56-C65C-4550-96C4-742355C34797}"/>
+              </a:ext>
+            </a:extLst>
+          </p:cNvPr>
+          <p:cNvPicPr>
+            <a:picLocks noChangeAspect="1"/>
+          </p:cNvPicPr>
+          <p:nvPr/>
+        </p:nvPicPr>
+        <p:blipFill>
+          <a:blip r:embed="rId2">
+            <a:extLst>
+              <a:ext uri="{28A0092B-C50C-407E-A947-70E740481C1C}">
+                <a14:useLocalDpi xmlns:a14="http://schemas.microsoft.com/office/drawing/2010/main" val="0"/>
+              </a:ext>
+            </a:extLst>
+          </a:blip>
+          <a:stretch>
+            <a:fillRect/>
+          </a:stretch>
+        </p:blipFill>
+        <p:spPr>
+          <a:xfrm>
+            <a:off x="610679" y="659497"/>
+            <a:ext cx="1145234" cy="1384934"/>
+          </a:xfrm>
+          <a:prstGeom prst="rect">
+            <a:avLst/>
+          </a:prstGeom>
+        </p:spPr>
+      </p:pic>
+      <p:pic>
+        <p:nvPicPr>
+          <p:cNvPr id="5" name="Imagen 4">
+            <a:extLst>
+              <a:ext uri="{FF2B5EF4-FFF2-40B4-BE49-F238E27FC236}">
+                <a16:creationId xmlns:a16="http://schemas.microsoft.com/office/drawing/2014/main" id="{ACC1CE81-B5E4-47AB-93E8-0FEF4689A8E6}"/>
+              </a:ext>
+            </a:extLst>
+          </p:cNvPr>
+          <p:cNvPicPr>
+            <a:picLocks noChangeAspect="1"/>
+          </p:cNvPicPr>
+          <p:nvPr/>
+        </p:nvPicPr>
+        <p:blipFill>
+          <a:blip r:embed="rId3" cstate="print">
+            <a:extLst>
+              <a:ext uri="{28A0092B-C50C-407E-A947-70E740481C1C}">
+                <a14:useLocalDpi xmlns:a14="http://schemas.microsoft.com/office/drawing/2010/main" val="0"/>
+              </a:ext>
+            </a:extLst>
+          </a:blip>
+          <a:stretch>
+            <a:fillRect/>
+          </a:stretch>
+        </p:blipFill>
+        <p:spPr>
+          <a:xfrm>
+            <a:off x="9956977" y="578475"/>
+            <a:ext cx="1547624" cy="1546975"/>
+          </a:xfrm>
+          <a:prstGeom prst="rect">
+            <a:avLst/>
+          </a:prstGeom>
+        </p:spPr>
+      </p:pic>
+    </p:spTree>
+    <p:extLst>
+      <p:ext uri="{BB962C8B-B14F-4D97-AF65-F5344CB8AC3E}">
+        <p14:creationId xmlns:p14="http://schemas.microsoft.com/office/powerpoint/2010/main" val="197882080"/>
+      </p:ext>
+    </p:extLst>
+  </p:cSld>
+  <p:clrMapOvr>
+    <a:masterClrMapping/>
+  </p:clrMapOvr>
+</p:sld>
+</file>
+
+<file path=ppt/slides/slide8.xml><?xml version="1.0" encoding="utf-8"?>
 <p:sld xmlns:a="http://schemas.openxmlformats.org/drawingml/2006/main" xmlns:r="http://schemas.openxmlformats.org/officeDocument/2006/relationships" xmlns:p="http://schemas.openxmlformats.org/presentationml/2006/main">
   <p:cSld>
     <p:spTree>
@@ -6088,7 +7935,7 @@
 </p:sld>
 </file>
 
-<file path=ppt/slides/slide6.xml><?xml version="1.0" encoding="utf-8"?>
+<file path=ppt/slides/slide9.xml><?xml version="1.0" encoding="utf-8"?>
 <p:sld xmlns:a="http://schemas.openxmlformats.org/drawingml/2006/main" xmlns:r="http://schemas.openxmlformats.org/officeDocument/2006/relationships" xmlns:p="http://schemas.openxmlformats.org/presentationml/2006/main">
   <p:cSld>
     <p:spTree>
@@ -6848,1145 +8695,6 @@
 </p:sld>
 </file>
 
-<file path=ppt/slides/slide7.xml><?xml version="1.0" encoding="utf-8"?>
-<p:sld xmlns:a="http://schemas.openxmlformats.org/drawingml/2006/main" xmlns:r="http://schemas.openxmlformats.org/officeDocument/2006/relationships" xmlns:p="http://schemas.openxmlformats.org/presentationml/2006/main">
-  <p:cSld>
-    <p:spTree>
-      <p:nvGrpSpPr>
-        <p:cNvPr id="1" name=""/>
-        <p:cNvGrpSpPr/>
-        <p:nvPr/>
-      </p:nvGrpSpPr>
-      <p:grpSpPr>
-        <a:xfrm>
-          <a:off x="0" y="0"/>
-          <a:ext cx="0" cy="0"/>
-          <a:chOff x="0" y="0"/>
-          <a:chExt cx="0" cy="0"/>
-        </a:xfrm>
-      </p:grpSpPr>
-      <p:sp>
-        <p:nvSpPr>
-          <p:cNvPr id="2" name="Título 1">
-            <a:extLst>
-              <a:ext uri="{FF2B5EF4-FFF2-40B4-BE49-F238E27FC236}">
-                <a16:creationId xmlns:a16="http://schemas.microsoft.com/office/drawing/2014/main" id="{B2CE7079-73CD-4F11-B2A7-7F2B46569768}"/>
-              </a:ext>
-            </a:extLst>
-          </p:cNvPr>
-          <p:cNvSpPr>
-            <a:spLocks noGrp="1"/>
-          </p:cNvSpPr>
-          <p:nvPr>
-            <p:ph type="title"/>
-          </p:nvPr>
-        </p:nvSpPr>
-        <p:spPr>
-          <a:xfrm>
-            <a:off x="2516529" y="365125"/>
-            <a:ext cx="7254792" cy="1325563"/>
-          </a:xfrm>
-        </p:spPr>
-        <p:txBody>
-          <a:bodyPr/>
-          <a:lstStyle/>
-          <a:p>
-            <a:pPr algn="ctr"/>
-            <a:r>
-              <a:rPr lang="es-CO" dirty="0">
-                <a:latin typeface="Arial Rounded MT Bold" panose="020F0704030504030204" pitchFamily="34" charset="0"/>
-              </a:rPr>
-              <a:t>Comparación de tiempos</a:t>
-            </a:r>
-            <a:endParaRPr lang="es-CO" dirty="0"/>
-          </a:p>
-        </p:txBody>
-      </p:sp>
-      <p:sp>
-        <p:nvSpPr>
-          <p:cNvPr id="3" name="Marcador de contenido 2">
-            <a:extLst>
-              <a:ext uri="{FF2B5EF4-FFF2-40B4-BE49-F238E27FC236}">
-                <a16:creationId xmlns:a16="http://schemas.microsoft.com/office/drawing/2014/main" id="{CAFDDFDC-4A07-4E0D-8D09-ED6053885E8F}"/>
-              </a:ext>
-            </a:extLst>
-          </p:cNvPr>
-          <p:cNvSpPr>
-            <a:spLocks noGrp="1"/>
-          </p:cNvSpPr>
-          <p:nvPr>
-            <p:ph idx="1"/>
-          </p:nvPr>
-        </p:nvSpPr>
-        <p:spPr>
-          <a:xfrm>
-            <a:off x="838200" y="2044431"/>
-            <a:ext cx="10515600" cy="4351338"/>
-          </a:xfrm>
-        </p:spPr>
-        <p:txBody>
-          <a:bodyPr/>
-          <a:lstStyle/>
-          <a:p>
-            <a:r>
-              <a:rPr lang="es-CO" dirty="0"/>
-              <a:t>En la siguiente tabla se puede evidenciar el tiempo estimado y el tiempo gastado por cada integrante </a:t>
-            </a:r>
-          </a:p>
-          <a:p>
-            <a:endParaRPr lang="es-CO" dirty="0"/>
-          </a:p>
-        </p:txBody>
-      </p:sp>
-      <p:pic>
-        <p:nvPicPr>
-          <p:cNvPr id="5" name="Imagen 4">
-            <a:extLst>
-              <a:ext uri="{FF2B5EF4-FFF2-40B4-BE49-F238E27FC236}">
-                <a16:creationId xmlns:a16="http://schemas.microsoft.com/office/drawing/2014/main" id="{465963F1-86E2-47F3-9A41-7DA7AD654B0A}"/>
-              </a:ext>
-            </a:extLst>
-          </p:cNvPr>
-          <p:cNvPicPr>
-            <a:picLocks noChangeAspect="1"/>
-          </p:cNvPicPr>
-          <p:nvPr/>
-        </p:nvPicPr>
-        <p:blipFill>
-          <a:blip r:embed="rId2">
-            <a:extLst>
-              <a:ext uri="{28A0092B-C50C-407E-A947-70E740481C1C}">
-                <a14:useLocalDpi xmlns:a14="http://schemas.microsoft.com/office/drawing/2010/main" val="0"/>
-              </a:ext>
-            </a:extLst>
-          </a:blip>
-          <a:stretch>
-            <a:fillRect/>
-          </a:stretch>
-        </p:blipFill>
-        <p:spPr>
-          <a:xfrm>
-            <a:off x="610679" y="659497"/>
-            <a:ext cx="1145234" cy="1384934"/>
-          </a:xfrm>
-          <a:prstGeom prst="rect">
-            <a:avLst/>
-          </a:prstGeom>
-        </p:spPr>
-      </p:pic>
-      <p:pic>
-        <p:nvPicPr>
-          <p:cNvPr id="6" name="Imagen 5">
-            <a:extLst>
-              <a:ext uri="{FF2B5EF4-FFF2-40B4-BE49-F238E27FC236}">
-                <a16:creationId xmlns:a16="http://schemas.microsoft.com/office/drawing/2014/main" id="{483C6177-D751-4D58-86A6-C1CFB376B2D4}"/>
-              </a:ext>
-            </a:extLst>
-          </p:cNvPr>
-          <p:cNvPicPr>
-            <a:picLocks noChangeAspect="1"/>
-          </p:cNvPicPr>
-          <p:nvPr/>
-        </p:nvPicPr>
-        <p:blipFill>
-          <a:blip r:embed="rId3">
-            <a:extLst>
-              <a:ext uri="{28A0092B-C50C-407E-A947-70E740481C1C}">
-                <a14:useLocalDpi xmlns:a14="http://schemas.microsoft.com/office/drawing/2010/main" val="0"/>
-              </a:ext>
-            </a:extLst>
-          </a:blip>
-          <a:stretch>
-            <a:fillRect/>
-          </a:stretch>
-        </p:blipFill>
-        <p:spPr>
-          <a:xfrm>
-            <a:off x="9956977" y="578475"/>
-            <a:ext cx="1547624" cy="1546975"/>
-          </a:xfrm>
-          <a:prstGeom prst="rect">
-            <a:avLst/>
-          </a:prstGeom>
-        </p:spPr>
-      </p:pic>
-      <p:graphicFrame>
-        <p:nvGraphicFramePr>
-          <p:cNvPr id="7" name="Tabla 6">
-            <a:extLst>
-              <a:ext uri="{FF2B5EF4-FFF2-40B4-BE49-F238E27FC236}">
-                <a16:creationId xmlns:a16="http://schemas.microsoft.com/office/drawing/2014/main" id="{FA29C8FD-54B7-494D-8787-4634CBD4DC5A}"/>
-              </a:ext>
-            </a:extLst>
-          </p:cNvPr>
-          <p:cNvGraphicFramePr>
-            <a:graphicFrameLocks noGrp="1"/>
-          </p:cNvGraphicFramePr>
-          <p:nvPr>
-            <p:extLst>
-              <p:ext uri="{D42A27DB-BD31-4B8C-83A1-F6EECF244321}">
-                <p14:modId xmlns:p14="http://schemas.microsoft.com/office/powerpoint/2010/main" val="1991912622"/>
-              </p:ext>
-            </p:extLst>
-          </p:nvPr>
-        </p:nvGraphicFramePr>
-        <p:xfrm>
-          <a:off x="1688683" y="3315117"/>
-          <a:ext cx="7073322" cy="1694576"/>
-        </p:xfrm>
-        <a:graphic>
-          <a:graphicData uri="http://schemas.openxmlformats.org/drawingml/2006/table">
-            <a:tbl>
-              <a:tblPr>
-                <a:tableStyleId>{5C22544A-7EE6-4342-B048-85BDC9FD1C3A}</a:tableStyleId>
-              </a:tblPr>
-              <a:tblGrid>
-                <a:gridCol w="4220723">
-                  <a:extLst>
-                    <a:ext uri="{9D8B030D-6E8A-4147-A177-3AD203B41FA5}">
-                      <a16:colId xmlns:a16="http://schemas.microsoft.com/office/drawing/2014/main" val="1685560356"/>
-                    </a:ext>
-                  </a:extLst>
-                </a:gridCol>
-                <a:gridCol w="1174750">
-                  <a:extLst>
-                    <a:ext uri="{9D8B030D-6E8A-4147-A177-3AD203B41FA5}">
-                      <a16:colId xmlns:a16="http://schemas.microsoft.com/office/drawing/2014/main" val="2865951437"/>
-                    </a:ext>
-                  </a:extLst>
-                </a:gridCol>
-                <a:gridCol w="1677849">
-                  <a:extLst>
-                    <a:ext uri="{9D8B030D-6E8A-4147-A177-3AD203B41FA5}">
-                      <a16:colId xmlns:a16="http://schemas.microsoft.com/office/drawing/2014/main" val="707014778"/>
-                    </a:ext>
-                  </a:extLst>
-                </a:gridCol>
-              </a:tblGrid>
-              <a:tr h="333578">
-                <a:tc>
-                  <a:txBody>
-                    <a:bodyPr/>
-                    <a:lstStyle/>
-                    <a:p>
-                      <a:pPr algn="ctr" fontAlgn="b"/>
-                      <a:r>
-                        <a:rPr lang="es-ES" sz="1000" u="none" strike="noStrike" dirty="0">
-                          <a:effectLst/>
-                        </a:rPr>
-                        <a:t>Roles</a:t>
-                      </a:r>
-                      <a:endParaRPr lang="es-ES" sz="1000" b="0" i="0" u="none" strike="noStrike" dirty="0">
-                        <a:effectLst/>
-                        <a:latin typeface="Arial" panose="020B0604020202020204" pitchFamily="34" charset="0"/>
-                      </a:endParaRPr>
-                    </a:p>
-                  </a:txBody>
-                  <a:tcPr marL="9525" marR="9525" marT="9525" marB="0" anchor="b"/>
-                </a:tc>
-                <a:tc>
-                  <a:txBody>
-                    <a:bodyPr/>
-                    <a:lstStyle/>
-                    <a:p>
-                      <a:pPr algn="ctr" fontAlgn="b"/>
-                      <a:r>
-                        <a:rPr lang="es-ES" sz="1000" u="none" strike="noStrike" dirty="0">
-                          <a:effectLst/>
-                        </a:rPr>
-                        <a:t>Actividades asignadas</a:t>
-                      </a:r>
-                      <a:endParaRPr lang="es-ES" sz="1000" b="0" i="0" u="none" strike="noStrike" dirty="0">
-                        <a:effectLst/>
-                        <a:latin typeface="Arial" panose="020B0604020202020204" pitchFamily="34" charset="0"/>
-                      </a:endParaRPr>
-                    </a:p>
-                  </a:txBody>
-                  <a:tcPr marL="9525" marR="9525" marT="9525" marB="0" anchor="b"/>
-                </a:tc>
-                <a:tc>
-                  <a:txBody>
-                    <a:bodyPr/>
-                    <a:lstStyle/>
-                    <a:p>
-                      <a:pPr algn="ctr" fontAlgn="b"/>
-                      <a:r>
-                        <a:rPr lang="es-ES" sz="1000" u="none" strike="noStrike" dirty="0">
-                          <a:effectLst/>
-                        </a:rPr>
-                        <a:t>Tiempo asignado</a:t>
-                      </a:r>
-                    </a:p>
-                    <a:p>
-                      <a:pPr algn="ctr" fontAlgn="b"/>
-                      <a:r>
-                        <a:rPr lang="es-ES" sz="1000" u="none" strike="noStrike" kern="1200" dirty="0">
-                          <a:solidFill>
-                            <a:schemeClr val="dk1"/>
-                          </a:solidFill>
-                          <a:effectLst/>
-                          <a:latin typeface="+mn-lt"/>
-                          <a:ea typeface="+mn-ea"/>
-                          <a:cs typeface="+mn-cs"/>
-                        </a:rPr>
-                        <a:t>(minutos)</a:t>
-                      </a:r>
-                    </a:p>
-                  </a:txBody>
-                  <a:tcPr marL="9525" marR="9525" marT="9525" marB="0" anchor="b"/>
-                </a:tc>
-                <a:extLst>
-                  <a:ext uri="{0D108BD9-81ED-4DB2-BD59-A6C34878D82A}">
-                    <a16:rowId xmlns:a16="http://schemas.microsoft.com/office/drawing/2014/main" val="1019409501"/>
-                  </a:ext>
-                </a:extLst>
-              </a:tr>
-              <a:tr h="226833">
-                <a:tc>
-                  <a:txBody>
-                    <a:bodyPr/>
-                    <a:lstStyle/>
-                    <a:p>
-                      <a:pPr algn="ctr" fontAlgn="b"/>
-                      <a:r>
-                        <a:rPr lang="es-ES" sz="1000" u="none" strike="noStrike" dirty="0">
-                          <a:effectLst/>
-                        </a:rPr>
-                        <a:t>Líder de equipo</a:t>
-                      </a:r>
-                      <a:endParaRPr lang="es-ES" sz="1000" b="0" i="0" u="none" strike="noStrike" dirty="0">
-                        <a:effectLst/>
-                        <a:latin typeface="Arial" panose="020B0604020202020204" pitchFamily="34" charset="0"/>
-                      </a:endParaRPr>
-                    </a:p>
-                  </a:txBody>
-                  <a:tcPr marL="9525" marR="9525" marT="9525" marB="0" anchor="b"/>
-                </a:tc>
-                <a:tc>
-                  <a:txBody>
-                    <a:bodyPr/>
-                    <a:lstStyle/>
-                    <a:p>
-                      <a:pPr algn="ctr" fontAlgn="b"/>
-                      <a:r>
-                        <a:rPr lang="es-ES" sz="1000" u="none" strike="noStrike" dirty="0">
-                          <a:effectLst/>
-                        </a:rPr>
-                        <a:t>11</a:t>
-                      </a:r>
-                      <a:endParaRPr lang="es-ES" sz="1000" b="0" i="0" u="none" strike="noStrike" dirty="0">
-                        <a:effectLst/>
-                        <a:latin typeface="Arial" panose="020B0604020202020204" pitchFamily="34" charset="0"/>
-                      </a:endParaRPr>
-                    </a:p>
-                  </a:txBody>
-                  <a:tcPr marL="9525" marR="9525" marT="9525" marB="0" anchor="b"/>
-                </a:tc>
-                <a:tc>
-                  <a:txBody>
-                    <a:bodyPr/>
-                    <a:lstStyle/>
-                    <a:p>
-                      <a:pPr algn="ctr" fontAlgn="b"/>
-                      <a:r>
-                        <a:rPr lang="es-ES" sz="1000" b="0" i="0" u="none" strike="noStrike">
-                          <a:effectLst/>
-                          <a:latin typeface="Arial" panose="020B0604020202020204" pitchFamily="34" charset="0"/>
-                        </a:rPr>
-                        <a:t>355</a:t>
-                      </a:r>
-                    </a:p>
-                  </a:txBody>
-                  <a:tcPr marL="9525" marR="9525" marT="9525" marB="0" anchor="b"/>
-                </a:tc>
-                <a:extLst>
-                  <a:ext uri="{0D108BD9-81ED-4DB2-BD59-A6C34878D82A}">
-                    <a16:rowId xmlns:a16="http://schemas.microsoft.com/office/drawing/2014/main" val="4160260432"/>
-                  </a:ext>
-                </a:extLst>
-              </a:tr>
-              <a:tr h="226833">
-                <a:tc>
-                  <a:txBody>
-                    <a:bodyPr/>
-                    <a:lstStyle/>
-                    <a:p>
-                      <a:pPr algn="ctr" fontAlgn="b"/>
-                      <a:r>
-                        <a:rPr lang="es-ES" sz="1000" u="none" strike="noStrike" dirty="0">
-                          <a:effectLst/>
-                        </a:rPr>
-                        <a:t>Líder de Planeación</a:t>
-                      </a:r>
-                      <a:endParaRPr lang="es-ES" sz="1000" b="0" i="0" u="none" strike="noStrike" dirty="0">
-                        <a:effectLst/>
-                        <a:latin typeface="Arial" panose="020B0604020202020204" pitchFamily="34" charset="0"/>
-                      </a:endParaRPr>
-                    </a:p>
-                  </a:txBody>
-                  <a:tcPr marL="9525" marR="9525" marT="9525" marB="0" anchor="b"/>
-                </a:tc>
-                <a:tc>
-                  <a:txBody>
-                    <a:bodyPr/>
-                    <a:lstStyle/>
-                    <a:p>
-                      <a:pPr algn="ctr" fontAlgn="b"/>
-                      <a:r>
-                        <a:rPr lang="es-ES" sz="1000" u="none" strike="noStrike" dirty="0">
-                          <a:effectLst/>
-                        </a:rPr>
-                        <a:t>12</a:t>
-                      </a:r>
-                      <a:endParaRPr lang="es-ES" sz="1000" b="0" i="0" u="none" strike="noStrike" dirty="0">
-                        <a:effectLst/>
-                        <a:latin typeface="Arial" panose="020B0604020202020204" pitchFamily="34" charset="0"/>
-                      </a:endParaRPr>
-                    </a:p>
-                  </a:txBody>
-                  <a:tcPr marL="9525" marR="9525" marT="9525" marB="0" anchor="b"/>
-                </a:tc>
-                <a:tc>
-                  <a:txBody>
-                    <a:bodyPr/>
-                    <a:lstStyle/>
-                    <a:p>
-                      <a:pPr algn="ctr" fontAlgn="b"/>
-                      <a:r>
-                        <a:rPr lang="es-ES" sz="1000" b="0" i="0" u="none" strike="noStrike">
-                          <a:effectLst/>
-                          <a:latin typeface="Arial" panose="020B0604020202020204" pitchFamily="34" charset="0"/>
-                        </a:rPr>
-                        <a:t>320</a:t>
-                      </a:r>
-                    </a:p>
-                  </a:txBody>
-                  <a:tcPr marL="9525" marR="9525" marT="9525" marB="0" anchor="b"/>
-                </a:tc>
-                <a:extLst>
-                  <a:ext uri="{0D108BD9-81ED-4DB2-BD59-A6C34878D82A}">
-                    <a16:rowId xmlns:a16="http://schemas.microsoft.com/office/drawing/2014/main" val="194511772"/>
-                  </a:ext>
-                </a:extLst>
-              </a:tr>
-              <a:tr h="226833">
-                <a:tc>
-                  <a:txBody>
-                    <a:bodyPr/>
-                    <a:lstStyle/>
-                    <a:p>
-                      <a:pPr algn="ctr" fontAlgn="b"/>
-                      <a:r>
-                        <a:rPr lang="es-ES" sz="1000" u="none" strike="noStrike" dirty="0">
-                          <a:effectLst/>
-                        </a:rPr>
-                        <a:t>Líder de Soporte</a:t>
-                      </a:r>
-                      <a:endParaRPr lang="es-ES" sz="1000" b="0" i="0" u="none" strike="noStrike" dirty="0">
-                        <a:effectLst/>
-                        <a:latin typeface="Arial" panose="020B0604020202020204" pitchFamily="34" charset="0"/>
-                      </a:endParaRPr>
-                    </a:p>
-                  </a:txBody>
-                  <a:tcPr marL="9525" marR="9525" marT="9525" marB="0" anchor="b"/>
-                </a:tc>
-                <a:tc>
-                  <a:txBody>
-                    <a:bodyPr/>
-                    <a:lstStyle/>
-                    <a:p>
-                      <a:pPr algn="ctr" fontAlgn="b"/>
-                      <a:r>
-                        <a:rPr lang="es-ES" sz="1000" u="none" strike="noStrike" dirty="0">
-                          <a:effectLst/>
-                        </a:rPr>
-                        <a:t>13</a:t>
-                      </a:r>
-                      <a:endParaRPr lang="es-ES" sz="1000" b="0" i="0" u="none" strike="noStrike" dirty="0">
-                        <a:effectLst/>
-                        <a:latin typeface="Arial" panose="020B0604020202020204" pitchFamily="34" charset="0"/>
-                      </a:endParaRPr>
-                    </a:p>
-                  </a:txBody>
-                  <a:tcPr marL="9525" marR="9525" marT="9525" marB="0" anchor="b"/>
-                </a:tc>
-                <a:tc>
-                  <a:txBody>
-                    <a:bodyPr/>
-                    <a:lstStyle/>
-                    <a:p>
-                      <a:pPr algn="ctr" fontAlgn="b"/>
-                      <a:r>
-                        <a:rPr lang="es-ES" sz="1000" b="0" i="0" u="none" strike="noStrike">
-                          <a:effectLst/>
-                          <a:latin typeface="Arial" panose="020B0604020202020204" pitchFamily="34" charset="0"/>
-                        </a:rPr>
-                        <a:t>295</a:t>
-                      </a:r>
-                    </a:p>
-                  </a:txBody>
-                  <a:tcPr marL="9525" marR="9525" marT="9525" marB="0" anchor="b"/>
-                </a:tc>
-                <a:extLst>
-                  <a:ext uri="{0D108BD9-81ED-4DB2-BD59-A6C34878D82A}">
-                    <a16:rowId xmlns:a16="http://schemas.microsoft.com/office/drawing/2014/main" val="1975700800"/>
-                  </a:ext>
-                </a:extLst>
-              </a:tr>
-              <a:tr h="226833">
-                <a:tc>
-                  <a:txBody>
-                    <a:bodyPr/>
-                    <a:lstStyle/>
-                    <a:p>
-                      <a:pPr algn="ctr" fontAlgn="b"/>
-                      <a:r>
-                        <a:rPr lang="es-ES" sz="1000" u="none" strike="noStrike" dirty="0">
-                          <a:effectLst/>
-                        </a:rPr>
-                        <a:t>Líder de Desarrollo</a:t>
-                      </a:r>
-                      <a:endParaRPr lang="es-ES" sz="1000" b="0" i="0" u="none" strike="noStrike" dirty="0">
-                        <a:effectLst/>
-                        <a:latin typeface="Arial" panose="020B0604020202020204" pitchFamily="34" charset="0"/>
-                      </a:endParaRPr>
-                    </a:p>
-                  </a:txBody>
-                  <a:tcPr marL="9525" marR="9525" marT="9525" marB="0" anchor="b"/>
-                </a:tc>
-                <a:tc>
-                  <a:txBody>
-                    <a:bodyPr/>
-                    <a:lstStyle/>
-                    <a:p>
-                      <a:pPr algn="ctr" fontAlgn="b"/>
-                      <a:r>
-                        <a:rPr lang="es-ES" sz="1000" u="none" strike="noStrike" dirty="0">
-                          <a:effectLst/>
-                        </a:rPr>
-                        <a:t>12</a:t>
-                      </a:r>
-                      <a:endParaRPr lang="es-ES" sz="1000" b="0" i="0" u="none" strike="noStrike" dirty="0">
-                        <a:effectLst/>
-                        <a:latin typeface="Arial" panose="020B0604020202020204" pitchFamily="34" charset="0"/>
-                      </a:endParaRPr>
-                    </a:p>
-                  </a:txBody>
-                  <a:tcPr marL="9525" marR="9525" marT="9525" marB="0" anchor="b"/>
-                </a:tc>
-                <a:tc>
-                  <a:txBody>
-                    <a:bodyPr/>
-                    <a:lstStyle/>
-                    <a:p>
-                      <a:pPr algn="ctr" fontAlgn="b"/>
-                      <a:r>
-                        <a:rPr lang="es-ES" sz="1000" b="0" i="0" u="none" strike="noStrike">
-                          <a:effectLst/>
-                          <a:latin typeface="Arial" panose="020B0604020202020204" pitchFamily="34" charset="0"/>
-                        </a:rPr>
-                        <a:t>340</a:t>
-                      </a:r>
-                    </a:p>
-                  </a:txBody>
-                  <a:tcPr marL="9525" marR="9525" marT="9525" marB="0" anchor="b"/>
-                </a:tc>
-                <a:extLst>
-                  <a:ext uri="{0D108BD9-81ED-4DB2-BD59-A6C34878D82A}">
-                    <a16:rowId xmlns:a16="http://schemas.microsoft.com/office/drawing/2014/main" val="2364442937"/>
-                  </a:ext>
-                </a:extLst>
-              </a:tr>
-              <a:tr h="226833">
-                <a:tc>
-                  <a:txBody>
-                    <a:bodyPr/>
-                    <a:lstStyle/>
-                    <a:p>
-                      <a:pPr algn="ctr" fontAlgn="b"/>
-                      <a:r>
-                        <a:rPr lang="es-ES" sz="1000" u="none" strike="noStrike">
-                          <a:effectLst/>
-                        </a:rPr>
-                        <a:t>Lider de Calidad</a:t>
-                      </a:r>
-                      <a:endParaRPr lang="es-ES" sz="1000" b="0" i="0" u="none" strike="noStrike">
-                        <a:effectLst/>
-                        <a:latin typeface="Arial" panose="020B0604020202020204" pitchFamily="34" charset="0"/>
-                      </a:endParaRPr>
-                    </a:p>
-                  </a:txBody>
-                  <a:tcPr marL="9525" marR="9525" marT="9525" marB="0" anchor="b"/>
-                </a:tc>
-                <a:tc>
-                  <a:txBody>
-                    <a:bodyPr/>
-                    <a:lstStyle/>
-                    <a:p>
-                      <a:pPr algn="ctr" fontAlgn="b"/>
-                      <a:r>
-                        <a:rPr lang="es-ES" sz="1000" u="none" strike="noStrike" dirty="0">
-                          <a:effectLst/>
-                        </a:rPr>
-                        <a:t>12</a:t>
-                      </a:r>
-                      <a:endParaRPr lang="es-ES" sz="1000" b="0" i="0" u="none" strike="noStrike" dirty="0">
-                        <a:effectLst/>
-                        <a:latin typeface="Arial" panose="020B0604020202020204" pitchFamily="34" charset="0"/>
-                      </a:endParaRPr>
-                    </a:p>
-                  </a:txBody>
-                  <a:tcPr marL="9525" marR="9525" marT="9525" marB="0" anchor="b"/>
-                </a:tc>
-                <a:tc>
-                  <a:txBody>
-                    <a:bodyPr/>
-                    <a:lstStyle/>
-                    <a:p>
-                      <a:pPr algn="ctr" fontAlgn="b"/>
-                      <a:r>
-                        <a:rPr lang="es-ES" sz="1000" b="0" i="0" u="none" strike="noStrike">
-                          <a:effectLst/>
-                          <a:latin typeface="Arial" panose="020B0604020202020204" pitchFamily="34" charset="0"/>
-                        </a:rPr>
-                        <a:t>350</a:t>
-                      </a:r>
-                    </a:p>
-                  </a:txBody>
-                  <a:tcPr marL="9525" marR="9525" marT="9525" marB="0" anchor="b"/>
-                </a:tc>
-                <a:extLst>
-                  <a:ext uri="{0D108BD9-81ED-4DB2-BD59-A6C34878D82A}">
-                    <a16:rowId xmlns:a16="http://schemas.microsoft.com/office/drawing/2014/main" val="3820912008"/>
-                  </a:ext>
-                </a:extLst>
-              </a:tr>
-              <a:tr h="226833">
-                <a:tc>
-                  <a:txBody>
-                    <a:bodyPr/>
-                    <a:lstStyle/>
-                    <a:p>
-                      <a:pPr algn="ctr" fontAlgn="b"/>
-                      <a:r>
-                        <a:rPr lang="es-ES" sz="1000" u="none" strike="noStrike">
-                          <a:effectLst/>
-                        </a:rPr>
-                        <a:t>Lider de Arquitectura</a:t>
-                      </a:r>
-                      <a:endParaRPr lang="es-ES" sz="1000" b="0" i="0" u="none" strike="noStrike">
-                        <a:effectLst/>
-                        <a:latin typeface="Arial" panose="020B0604020202020204" pitchFamily="34" charset="0"/>
-                      </a:endParaRPr>
-                    </a:p>
-                  </a:txBody>
-                  <a:tcPr marL="9525" marR="9525" marT="9525" marB="0" anchor="b"/>
-                </a:tc>
-                <a:tc>
-                  <a:txBody>
-                    <a:bodyPr/>
-                    <a:lstStyle/>
-                    <a:p>
-                      <a:pPr algn="ctr" fontAlgn="b"/>
-                      <a:r>
-                        <a:rPr lang="es-ES" sz="1000" u="none" strike="noStrike" dirty="0">
-                          <a:effectLst/>
-                        </a:rPr>
-                        <a:t>11</a:t>
-                      </a:r>
-                      <a:endParaRPr lang="es-ES" sz="1000" b="0" i="0" u="none" strike="noStrike" dirty="0">
-                        <a:effectLst/>
-                        <a:latin typeface="Arial" panose="020B0604020202020204" pitchFamily="34" charset="0"/>
-                      </a:endParaRPr>
-                    </a:p>
-                  </a:txBody>
-                  <a:tcPr marL="9525" marR="9525" marT="9525" marB="0" anchor="b"/>
-                </a:tc>
-                <a:tc>
-                  <a:txBody>
-                    <a:bodyPr/>
-                    <a:lstStyle/>
-                    <a:p>
-                      <a:pPr algn="ctr" fontAlgn="b"/>
-                      <a:r>
-                        <a:rPr lang="es-ES" sz="1000" b="0" i="0" u="none" strike="noStrike" dirty="0">
-                          <a:effectLst/>
-                          <a:latin typeface="Arial" panose="020B0604020202020204" pitchFamily="34" charset="0"/>
-                        </a:rPr>
-                        <a:t>305</a:t>
-                      </a:r>
-                    </a:p>
-                  </a:txBody>
-                  <a:tcPr marL="9525" marR="9525" marT="9525" marB="0" anchor="b"/>
-                </a:tc>
-                <a:extLst>
-                  <a:ext uri="{0D108BD9-81ED-4DB2-BD59-A6C34878D82A}">
-                    <a16:rowId xmlns:a16="http://schemas.microsoft.com/office/drawing/2014/main" val="607270685"/>
-                  </a:ext>
-                </a:extLst>
-              </a:tr>
-            </a:tbl>
-          </a:graphicData>
-        </a:graphic>
-      </p:graphicFrame>
-      <p:graphicFrame>
-        <p:nvGraphicFramePr>
-          <p:cNvPr id="8" name="Tabla 7">
-            <a:extLst>
-              <a:ext uri="{FF2B5EF4-FFF2-40B4-BE49-F238E27FC236}">
-                <a16:creationId xmlns:a16="http://schemas.microsoft.com/office/drawing/2014/main" id="{80EBB5EF-43D5-4380-96F3-556B839BCFBC}"/>
-              </a:ext>
-            </a:extLst>
-          </p:cNvPr>
-          <p:cNvGraphicFramePr>
-            <a:graphicFrameLocks noGrp="1"/>
-          </p:cNvGraphicFramePr>
-          <p:nvPr>
-            <p:extLst>
-              <p:ext uri="{D42A27DB-BD31-4B8C-83A1-F6EECF244321}">
-                <p14:modId xmlns:p14="http://schemas.microsoft.com/office/powerpoint/2010/main" val="1994190782"/>
-              </p:ext>
-            </p:extLst>
-          </p:nvPr>
-        </p:nvGraphicFramePr>
-        <p:xfrm>
-          <a:off x="8762005" y="3315117"/>
-          <a:ext cx="1677849" cy="1694576"/>
-        </p:xfrm>
-        <a:graphic>
-          <a:graphicData uri="http://schemas.openxmlformats.org/drawingml/2006/table">
-            <a:tbl>
-              <a:tblPr>
-                <a:tableStyleId>{5C22544A-7EE6-4342-B048-85BDC9FD1C3A}</a:tableStyleId>
-              </a:tblPr>
-              <a:tblGrid>
-                <a:gridCol w="1677849">
-                  <a:extLst>
-                    <a:ext uri="{9D8B030D-6E8A-4147-A177-3AD203B41FA5}">
-                      <a16:colId xmlns:a16="http://schemas.microsoft.com/office/drawing/2014/main" val="2447602950"/>
-                    </a:ext>
-                  </a:extLst>
-                </a:gridCol>
-              </a:tblGrid>
-              <a:tr h="333578">
-                <a:tc>
-                  <a:txBody>
-                    <a:bodyPr/>
-                    <a:lstStyle/>
-                    <a:p>
-                      <a:pPr algn="ctr" fontAlgn="b"/>
-                      <a:r>
-                        <a:rPr lang="es-ES" sz="1000" u="none" strike="noStrike" dirty="0">
-                          <a:effectLst/>
-                        </a:rPr>
-                        <a:t>Tiempo consumido</a:t>
-                      </a:r>
-                    </a:p>
-                    <a:p>
-                      <a:pPr algn="ctr" fontAlgn="b"/>
-                      <a:r>
-                        <a:rPr lang="es-ES" sz="1000" u="none" strike="noStrike" kern="1200" dirty="0">
-                          <a:solidFill>
-                            <a:schemeClr val="dk1"/>
-                          </a:solidFill>
-                          <a:effectLst/>
-                          <a:latin typeface="+mn-lt"/>
-                          <a:ea typeface="+mn-ea"/>
-                          <a:cs typeface="+mn-cs"/>
-                        </a:rPr>
-                        <a:t>(minutos)</a:t>
-                      </a:r>
-                    </a:p>
-                  </a:txBody>
-                  <a:tcPr marL="9525" marR="9525" marT="9525" marB="0" anchor="b"/>
-                </a:tc>
-                <a:extLst>
-                  <a:ext uri="{0D108BD9-81ED-4DB2-BD59-A6C34878D82A}">
-                    <a16:rowId xmlns:a16="http://schemas.microsoft.com/office/drawing/2014/main" val="3823065717"/>
-                  </a:ext>
-                </a:extLst>
-              </a:tr>
-              <a:tr h="226833">
-                <a:tc>
-                  <a:txBody>
-                    <a:bodyPr/>
-                    <a:lstStyle/>
-                    <a:p>
-                      <a:pPr marL="0" algn="ctr" defTabSz="914400" rtl="0" eaLnBrk="1" fontAlgn="b" latinLnBrk="0" hangingPunct="1"/>
-                      <a:r>
-                        <a:rPr lang="es-ES" sz="1000" b="0" i="0" u="none" strike="noStrike" kern="1200" dirty="0">
-                          <a:solidFill>
-                            <a:schemeClr val="dk1"/>
-                          </a:solidFill>
-                          <a:effectLst/>
-                          <a:latin typeface="Arial" panose="020B0604020202020204" pitchFamily="34" charset="0"/>
-                          <a:ea typeface="+mn-ea"/>
-                          <a:cs typeface="+mn-cs"/>
-                        </a:rPr>
-                        <a:t>312</a:t>
-                      </a:r>
-                    </a:p>
-                  </a:txBody>
-                  <a:tcPr marL="9525" marR="9525" marT="9525" marB="0" anchor="b"/>
-                </a:tc>
-                <a:extLst>
-                  <a:ext uri="{0D108BD9-81ED-4DB2-BD59-A6C34878D82A}">
-                    <a16:rowId xmlns:a16="http://schemas.microsoft.com/office/drawing/2014/main" val="3105815714"/>
-                  </a:ext>
-                </a:extLst>
-              </a:tr>
-              <a:tr h="226833">
-                <a:tc>
-                  <a:txBody>
-                    <a:bodyPr/>
-                    <a:lstStyle/>
-                    <a:p>
-                      <a:pPr marL="0" algn="ctr" defTabSz="914400" rtl="0" eaLnBrk="1" fontAlgn="b" latinLnBrk="0" hangingPunct="1"/>
-                      <a:r>
-                        <a:rPr lang="es-ES" sz="1000" b="0" i="0" u="none" strike="noStrike" kern="1200" dirty="0">
-                          <a:solidFill>
-                            <a:schemeClr val="dk1"/>
-                          </a:solidFill>
-                          <a:effectLst/>
-                          <a:latin typeface="Arial" panose="020B0604020202020204" pitchFamily="34" charset="0"/>
-                          <a:ea typeface="+mn-ea"/>
-                          <a:cs typeface="+mn-cs"/>
-                        </a:rPr>
-                        <a:t>320</a:t>
-                      </a:r>
-                    </a:p>
-                  </a:txBody>
-                  <a:tcPr marL="9525" marR="9525" marT="9525" marB="0" anchor="b"/>
-                </a:tc>
-                <a:extLst>
-                  <a:ext uri="{0D108BD9-81ED-4DB2-BD59-A6C34878D82A}">
-                    <a16:rowId xmlns:a16="http://schemas.microsoft.com/office/drawing/2014/main" val="552848141"/>
-                  </a:ext>
-                </a:extLst>
-              </a:tr>
-              <a:tr h="226833">
-                <a:tc>
-                  <a:txBody>
-                    <a:bodyPr/>
-                    <a:lstStyle/>
-                    <a:p>
-                      <a:pPr marL="0" algn="ctr" defTabSz="914400" rtl="0" eaLnBrk="1" fontAlgn="b" latinLnBrk="0" hangingPunct="1"/>
-                      <a:r>
-                        <a:rPr lang="es-ES" sz="1000" b="0" i="0" u="none" strike="noStrike" kern="1200" dirty="0">
-                          <a:solidFill>
-                            <a:schemeClr val="dk1"/>
-                          </a:solidFill>
-                          <a:effectLst/>
-                          <a:latin typeface="Arial" panose="020B0604020202020204" pitchFamily="34" charset="0"/>
-                          <a:ea typeface="+mn-ea"/>
-                          <a:cs typeface="+mn-cs"/>
-                        </a:rPr>
-                        <a:t>390</a:t>
-                      </a:r>
-                    </a:p>
-                  </a:txBody>
-                  <a:tcPr marL="9525" marR="9525" marT="9525" marB="0" anchor="b"/>
-                </a:tc>
-                <a:extLst>
-                  <a:ext uri="{0D108BD9-81ED-4DB2-BD59-A6C34878D82A}">
-                    <a16:rowId xmlns:a16="http://schemas.microsoft.com/office/drawing/2014/main" val="4038362865"/>
-                  </a:ext>
-                </a:extLst>
-              </a:tr>
-              <a:tr h="226833">
-                <a:tc>
-                  <a:txBody>
-                    <a:bodyPr/>
-                    <a:lstStyle/>
-                    <a:p>
-                      <a:pPr marL="0" algn="ctr" defTabSz="914400" rtl="0" eaLnBrk="1" fontAlgn="b" latinLnBrk="0" hangingPunct="1"/>
-                      <a:r>
-                        <a:rPr lang="es-ES" sz="1000" b="0" i="0" u="none" strike="noStrike" kern="1200" dirty="0">
-                          <a:solidFill>
-                            <a:schemeClr val="dk1"/>
-                          </a:solidFill>
-                          <a:effectLst/>
-                          <a:latin typeface="Arial" panose="020B0604020202020204" pitchFamily="34" charset="0"/>
-                          <a:ea typeface="+mn-ea"/>
-                          <a:cs typeface="+mn-cs"/>
-                        </a:rPr>
-                        <a:t>326</a:t>
-                      </a:r>
-                    </a:p>
-                  </a:txBody>
-                  <a:tcPr marL="9525" marR="9525" marT="9525" marB="0" anchor="b"/>
-                </a:tc>
-                <a:extLst>
-                  <a:ext uri="{0D108BD9-81ED-4DB2-BD59-A6C34878D82A}">
-                    <a16:rowId xmlns:a16="http://schemas.microsoft.com/office/drawing/2014/main" val="401307551"/>
-                  </a:ext>
-                </a:extLst>
-              </a:tr>
-              <a:tr h="226833">
-                <a:tc>
-                  <a:txBody>
-                    <a:bodyPr/>
-                    <a:lstStyle/>
-                    <a:p>
-                      <a:pPr marL="0" algn="ctr" defTabSz="914400" rtl="0" eaLnBrk="1" fontAlgn="b" latinLnBrk="0" hangingPunct="1"/>
-                      <a:r>
-                        <a:rPr lang="es-ES" sz="1000" b="0" i="0" u="none" strike="noStrike" kern="1200" dirty="0">
-                          <a:solidFill>
-                            <a:schemeClr val="dk1"/>
-                          </a:solidFill>
-                          <a:effectLst/>
-                          <a:latin typeface="Arial" panose="020B0604020202020204" pitchFamily="34" charset="0"/>
-                          <a:ea typeface="+mn-ea"/>
-                          <a:cs typeface="+mn-cs"/>
-                        </a:rPr>
-                        <a:t>474</a:t>
-                      </a:r>
-                    </a:p>
-                  </a:txBody>
-                  <a:tcPr marL="9525" marR="9525" marT="9525" marB="0" anchor="b"/>
-                </a:tc>
-                <a:extLst>
-                  <a:ext uri="{0D108BD9-81ED-4DB2-BD59-A6C34878D82A}">
-                    <a16:rowId xmlns:a16="http://schemas.microsoft.com/office/drawing/2014/main" val="3340644261"/>
-                  </a:ext>
-                </a:extLst>
-              </a:tr>
-              <a:tr h="226833">
-                <a:tc>
-                  <a:txBody>
-                    <a:bodyPr/>
-                    <a:lstStyle/>
-                    <a:p>
-                      <a:pPr marL="0" algn="ctr" defTabSz="914400" rtl="0" eaLnBrk="1" fontAlgn="b" latinLnBrk="0" hangingPunct="1"/>
-                      <a:r>
-                        <a:rPr lang="es-ES" sz="1000" b="0" i="0" u="none" strike="noStrike" kern="1200" dirty="0">
-                          <a:solidFill>
-                            <a:schemeClr val="dk1"/>
-                          </a:solidFill>
-                          <a:effectLst/>
-                          <a:latin typeface="Arial" panose="020B0604020202020204" pitchFamily="34" charset="0"/>
-                          <a:ea typeface="+mn-ea"/>
-                          <a:cs typeface="+mn-cs"/>
-                        </a:rPr>
-                        <a:t>345</a:t>
-                      </a:r>
-                    </a:p>
-                  </a:txBody>
-                  <a:tcPr marL="9525" marR="9525" marT="9525" marB="0" anchor="b"/>
-                </a:tc>
-                <a:extLst>
-                  <a:ext uri="{0D108BD9-81ED-4DB2-BD59-A6C34878D82A}">
-                    <a16:rowId xmlns:a16="http://schemas.microsoft.com/office/drawing/2014/main" val="151242151"/>
-                  </a:ext>
-                </a:extLst>
-              </a:tr>
-            </a:tbl>
-          </a:graphicData>
-        </a:graphic>
-      </p:graphicFrame>
-    </p:spTree>
-    <p:extLst>
-      <p:ext uri="{BB962C8B-B14F-4D97-AF65-F5344CB8AC3E}">
-        <p14:creationId xmlns:p14="http://schemas.microsoft.com/office/powerpoint/2010/main" val="648010092"/>
-      </p:ext>
-    </p:extLst>
-  </p:cSld>
-  <p:clrMapOvr>
-    <a:masterClrMapping/>
-  </p:clrMapOvr>
-</p:sld>
-</file>
-
-<file path=ppt/slides/slide8.xml><?xml version="1.0" encoding="utf-8"?>
-<p:sld xmlns:a="http://schemas.openxmlformats.org/drawingml/2006/main" xmlns:r="http://schemas.openxmlformats.org/officeDocument/2006/relationships" xmlns:p="http://schemas.openxmlformats.org/presentationml/2006/main">
-  <p:cSld>
-    <p:spTree>
-      <p:nvGrpSpPr>
-        <p:cNvPr id="1" name=""/>
-        <p:cNvGrpSpPr/>
-        <p:nvPr/>
-      </p:nvGrpSpPr>
-      <p:grpSpPr>
-        <a:xfrm>
-          <a:off x="0" y="0"/>
-          <a:ext cx="0" cy="0"/>
-          <a:chOff x="0" y="0"/>
-          <a:chExt cx="0" cy="0"/>
-        </a:xfrm>
-      </p:grpSpPr>
-      <p:sp>
-        <p:nvSpPr>
-          <p:cNvPr id="2" name="Título 1">
-            <a:extLst>
-              <a:ext uri="{FF2B5EF4-FFF2-40B4-BE49-F238E27FC236}">
-                <a16:creationId xmlns:a16="http://schemas.microsoft.com/office/drawing/2014/main" id="{B2CE7079-73CD-4F11-B2A7-7F2B46569768}"/>
-              </a:ext>
-            </a:extLst>
-          </p:cNvPr>
-          <p:cNvSpPr>
-            <a:spLocks noGrp="1"/>
-          </p:cNvSpPr>
-          <p:nvPr>
-            <p:ph type="title"/>
-          </p:nvPr>
-        </p:nvSpPr>
-        <p:spPr>
-          <a:xfrm>
-            <a:off x="4728022" y="365125"/>
-            <a:ext cx="2735955" cy="1325563"/>
-          </a:xfrm>
-        </p:spPr>
-        <p:txBody>
-          <a:bodyPr/>
-          <a:lstStyle/>
-          <a:p>
-            <a:r>
-              <a:rPr lang="es-CO" dirty="0"/>
-              <a:t>Conclusión</a:t>
-            </a:r>
-          </a:p>
-        </p:txBody>
-      </p:sp>
-      <p:sp>
-        <p:nvSpPr>
-          <p:cNvPr id="3" name="Marcador de contenido 2">
-            <a:extLst>
-              <a:ext uri="{FF2B5EF4-FFF2-40B4-BE49-F238E27FC236}">
-                <a16:creationId xmlns:a16="http://schemas.microsoft.com/office/drawing/2014/main" id="{CAFDDFDC-4A07-4E0D-8D09-ED6053885E8F}"/>
-              </a:ext>
-            </a:extLst>
-          </p:cNvPr>
-          <p:cNvSpPr>
-            <a:spLocks noGrp="1"/>
-          </p:cNvSpPr>
-          <p:nvPr>
-            <p:ph idx="1"/>
-          </p:nvPr>
-        </p:nvSpPr>
-        <p:spPr>
-          <a:xfrm>
-            <a:off x="838199" y="2125450"/>
-            <a:ext cx="10515600" cy="4351338"/>
-          </a:xfrm>
-        </p:spPr>
-        <p:txBody>
-          <a:bodyPr/>
-          <a:lstStyle/>
-          <a:p>
-            <a:pPr algn="just"/>
-            <a:r>
-              <a:rPr lang="es-CO" dirty="0"/>
-              <a:t>Se realizaron todas las actividades propuestas para esta semana, con un desempeño óptimo por parte de todos los integrantes.</a:t>
-            </a:r>
-          </a:p>
-          <a:p>
-            <a:pPr algn="just"/>
-            <a:r>
-              <a:rPr lang="es-CO" dirty="0"/>
-              <a:t>Se hizo uso de los canales de comunicación para  realizar aportes dentro del grupo.</a:t>
-            </a:r>
-          </a:p>
-          <a:p>
-            <a:pPr algn="just"/>
-            <a:r>
-              <a:rPr lang="es-CO" dirty="0"/>
-              <a:t>Se hizo una retroalimentación, para verificar que todo halla quedado como se deseaba.</a:t>
-            </a:r>
-          </a:p>
-          <a:p>
-            <a:pPr algn="just"/>
-            <a:r>
-              <a:rPr lang="es-CO" dirty="0"/>
-              <a:t>El tiempo de realización del proyecto fue menor al tiempo estimado total.</a:t>
-            </a:r>
-          </a:p>
-        </p:txBody>
-      </p:sp>
-      <p:pic>
-        <p:nvPicPr>
-          <p:cNvPr id="5" name="Imagen 4">
-            <a:extLst>
-              <a:ext uri="{FF2B5EF4-FFF2-40B4-BE49-F238E27FC236}">
-                <a16:creationId xmlns:a16="http://schemas.microsoft.com/office/drawing/2014/main" id="{465963F1-86E2-47F3-9A41-7DA7AD654B0A}"/>
-              </a:ext>
-            </a:extLst>
-          </p:cNvPr>
-          <p:cNvPicPr>
-            <a:picLocks noChangeAspect="1"/>
-          </p:cNvPicPr>
-          <p:nvPr/>
-        </p:nvPicPr>
-        <p:blipFill>
-          <a:blip r:embed="rId2">
-            <a:extLst>
-              <a:ext uri="{28A0092B-C50C-407E-A947-70E740481C1C}">
-                <a14:useLocalDpi xmlns:a14="http://schemas.microsoft.com/office/drawing/2010/main" val="0"/>
-              </a:ext>
-            </a:extLst>
-          </a:blip>
-          <a:stretch>
-            <a:fillRect/>
-          </a:stretch>
-        </p:blipFill>
-        <p:spPr>
-          <a:xfrm>
-            <a:off x="610679" y="659497"/>
-            <a:ext cx="1145234" cy="1384934"/>
-          </a:xfrm>
-          <a:prstGeom prst="rect">
-            <a:avLst/>
-          </a:prstGeom>
-        </p:spPr>
-      </p:pic>
-      <p:pic>
-        <p:nvPicPr>
-          <p:cNvPr id="6" name="Imagen 5">
-            <a:extLst>
-              <a:ext uri="{FF2B5EF4-FFF2-40B4-BE49-F238E27FC236}">
-                <a16:creationId xmlns:a16="http://schemas.microsoft.com/office/drawing/2014/main" id="{483C6177-D751-4D58-86A6-C1CFB376B2D4}"/>
-              </a:ext>
-            </a:extLst>
-          </p:cNvPr>
-          <p:cNvPicPr>
-            <a:picLocks noChangeAspect="1"/>
-          </p:cNvPicPr>
-          <p:nvPr/>
-        </p:nvPicPr>
-        <p:blipFill>
-          <a:blip r:embed="rId3">
-            <a:extLst>
-              <a:ext uri="{28A0092B-C50C-407E-A947-70E740481C1C}">
-                <a14:useLocalDpi xmlns:a14="http://schemas.microsoft.com/office/drawing/2010/main" val="0"/>
-              </a:ext>
-            </a:extLst>
-          </a:blip>
-          <a:stretch>
-            <a:fillRect/>
-          </a:stretch>
-        </p:blipFill>
-        <p:spPr>
-          <a:xfrm>
-            <a:off x="9956977" y="578475"/>
-            <a:ext cx="1547624" cy="1546975"/>
-          </a:xfrm>
-          <a:prstGeom prst="rect">
-            <a:avLst/>
-          </a:prstGeom>
-        </p:spPr>
-      </p:pic>
-    </p:spTree>
-    <p:extLst>
-      <p:ext uri="{BB962C8B-B14F-4D97-AF65-F5344CB8AC3E}">
-        <p14:creationId xmlns:p14="http://schemas.microsoft.com/office/powerpoint/2010/main" val="697554320"/>
-      </p:ext>
-    </p:extLst>
-  </p:cSld>
-  <p:clrMapOvr>
-    <a:masterClrMapping/>
-  </p:clrMapOvr>
-</p:sld>
-</file>
-
 <file path=ppt/theme/theme1.xml><?xml version="1.0" encoding="utf-8"?>
 <a:theme xmlns:a="http://schemas.openxmlformats.org/drawingml/2006/main" name="Tema de Office">
   <a:themeElements>

--- a/Primera Entrega/Presentación.pptx
+++ b/Primera Entrega/Presentación.pptx
@@ -4576,8 +4576,8 @@
         </p:nvSpPr>
         <p:spPr>
           <a:xfrm>
-            <a:off x="4728022" y="365125"/>
-            <a:ext cx="2735955" cy="1325563"/>
+            <a:off x="4111034" y="466926"/>
+            <a:ext cx="3969930" cy="1325563"/>
           </a:xfrm>
         </p:spPr>
         <p:txBody>
@@ -4585,8 +4585,10 @@
           <a:lstStyle/>
           <a:p>
             <a:r>
-              <a:rPr lang="es-CO" dirty="0"/>
-              <a:t>Conclusión</a:t>
+              <a:rPr lang="es-CO" dirty="0">
+                <a:latin typeface="Arial Rounded MT Bold" panose="020F0704030504030204" pitchFamily="34" charset="0"/>
+              </a:rPr>
+              <a:t>Conclusiones</a:t>
             </a:r>
           </a:p>
         </p:txBody>
